--- a/presentation.pptx
+++ b/presentation.pptx
@@ -5,17 +5,24 @@
     <p:sldMasterId id="2147483723" r:id="rId1"/>
   </p:sldMasterIdLst>
   <p:notesMasterIdLst>
-    <p:notesMasterId r:id="rId10"/>
+    <p:notesMasterId r:id="rId17"/>
   </p:notesMasterIdLst>
   <p:sldIdLst>
     <p:sldId id="444" r:id="rId2"/>
     <p:sldId id="328" r:id="rId3"/>
     <p:sldId id="430" r:id="rId4"/>
     <p:sldId id="432" r:id="rId5"/>
-    <p:sldId id="431" r:id="rId6"/>
-    <p:sldId id="433" r:id="rId7"/>
-    <p:sldId id="445" r:id="rId8"/>
-    <p:sldId id="427" r:id="rId9"/>
+    <p:sldId id="456" r:id="rId6"/>
+    <p:sldId id="452" r:id="rId7"/>
+    <p:sldId id="431" r:id="rId8"/>
+    <p:sldId id="448" r:id="rId9"/>
+    <p:sldId id="449" r:id="rId10"/>
+    <p:sldId id="450" r:id="rId11"/>
+    <p:sldId id="451" r:id="rId12"/>
+    <p:sldId id="455" r:id="rId13"/>
+    <p:sldId id="454" r:id="rId14"/>
+    <p:sldId id="445" r:id="rId15"/>
+    <p:sldId id="427" r:id="rId16"/>
   </p:sldIdLst>
   <p:sldSz cx="9144000" cy="6858000" type="screen4x3"/>
   <p:notesSz cx="6858000" cy="9144000"/>
@@ -216,7 +223,7 @@
             <a:fld id="{6AEF9144-1A84-49D7-A917-0672F319F0E3}" type="datetimeFigureOut">
               <a:rPr lang="zh-CN" altLang="en-US" smtClean="0"/>
               <a:pPr/>
-              <a:t>2020/3/6</a:t>
+              <a:t>2020/3/7</a:t>
             </a:fld>
             <a:endParaRPr lang="zh-CN" altLang="en-US"/>
           </a:p>
@@ -552,7 +559,7 @@
             <a:fld id="{F55B992F-8380-4DAC-8CFB-1A973BAF2004}" type="slidenum">
               <a:rPr lang="zh-CN" altLang="en-US" smtClean="0"/>
               <a:pPr/>
-              <a:t>2</a:t>
+              <a:t>1</a:t>
             </a:fld>
             <a:endParaRPr lang="zh-CN" altLang="en-US"/>
           </a:p>
@@ -561,7 +568,467 @@
     </p:spTree>
     <p:extLst>
       <p:ext uri="{BB962C8B-B14F-4D97-AF65-F5344CB8AC3E}">
-        <p14:creationId xmlns:p14="http://schemas.microsoft.com/office/powerpoint/2010/main" val="1615279505"/>
+        <p14:creationId xmlns:p14="http://schemas.microsoft.com/office/powerpoint/2010/main" val="2974804003"/>
+      </p:ext>
+    </p:extLst>
+  </p:cSld>
+  <p:clrMapOvr>
+    <a:masterClrMapping/>
+  </p:clrMapOvr>
+</p:notes>
+</file>
+
+<file path=ppt/notesSlides/notesSlide10.xml><?xml version="1.0" encoding="utf-8"?>
+<p:notes xmlns:a="http://schemas.openxmlformats.org/drawingml/2006/main" xmlns:r="http://schemas.openxmlformats.org/officeDocument/2006/relationships" xmlns:p="http://schemas.openxmlformats.org/presentationml/2006/main">
+  <p:cSld>
+    <p:spTree>
+      <p:nvGrpSpPr>
+        <p:cNvPr id="1" name=""/>
+        <p:cNvGrpSpPr/>
+        <p:nvPr/>
+      </p:nvGrpSpPr>
+      <p:grpSpPr>
+        <a:xfrm>
+          <a:off x="0" y="0"/>
+          <a:ext cx="0" cy="0"/>
+          <a:chOff x="0" y="0"/>
+          <a:chExt cx="0" cy="0"/>
+        </a:xfrm>
+      </p:grpSpPr>
+      <p:sp>
+        <p:nvSpPr>
+          <p:cNvPr id="2" name="幻灯片图像占位符 1"/>
+          <p:cNvSpPr>
+            <a:spLocks noGrp="1" noRot="1" noChangeAspect="1"/>
+          </p:cNvSpPr>
+          <p:nvPr>
+            <p:ph type="sldImg"/>
+          </p:nvPr>
+        </p:nvSpPr>
+        <p:spPr/>
+      </p:sp>
+      <p:sp>
+        <p:nvSpPr>
+          <p:cNvPr id="3" name="备注占位符 2"/>
+          <p:cNvSpPr>
+            <a:spLocks noGrp="1"/>
+          </p:cNvSpPr>
+          <p:nvPr>
+            <p:ph type="body" idx="1"/>
+          </p:nvPr>
+        </p:nvSpPr>
+        <p:spPr/>
+        <p:txBody>
+          <a:bodyPr/>
+          <a:lstStyle/>
+          <a:p>
+            <a:endParaRPr lang="zh-CN" altLang="en-US" sz="1200" b="0" i="0" u="none" strike="noStrike" kern="1200" baseline="0" dirty="0">
+              <a:solidFill>
+                <a:schemeClr val="tx1"/>
+              </a:solidFill>
+              <a:latin typeface="+mn-lt"/>
+              <a:ea typeface="+mn-ea"/>
+              <a:cs typeface="+mn-cs"/>
+            </a:endParaRPr>
+          </a:p>
+        </p:txBody>
+      </p:sp>
+      <p:sp>
+        <p:nvSpPr>
+          <p:cNvPr id="4" name="灯片编号占位符 3"/>
+          <p:cNvSpPr>
+            <a:spLocks noGrp="1"/>
+          </p:cNvSpPr>
+          <p:nvPr>
+            <p:ph type="sldNum" sz="quarter" idx="10"/>
+          </p:nvPr>
+        </p:nvSpPr>
+        <p:spPr/>
+        <p:txBody>
+          <a:bodyPr/>
+          <a:lstStyle/>
+          <a:p>
+            <a:fld id="{B85ADB43-7348-48AD-B03C-D160B7A825E1}" type="slidenum">
+              <a:rPr lang="zh-CN" altLang="en-US" smtClean="0"/>
+              <a:pPr/>
+              <a:t>10</a:t>
+            </a:fld>
+            <a:endParaRPr lang="zh-CN" altLang="en-US"/>
+          </a:p>
+        </p:txBody>
+      </p:sp>
+    </p:spTree>
+    <p:extLst>
+      <p:ext uri="{BB962C8B-B14F-4D97-AF65-F5344CB8AC3E}">
+        <p14:creationId xmlns:p14="http://schemas.microsoft.com/office/powerpoint/2010/main" val="503695335"/>
+      </p:ext>
+    </p:extLst>
+  </p:cSld>
+  <p:clrMapOvr>
+    <a:masterClrMapping/>
+  </p:clrMapOvr>
+</p:notes>
+</file>
+
+<file path=ppt/notesSlides/notesSlide11.xml><?xml version="1.0" encoding="utf-8"?>
+<p:notes xmlns:a="http://schemas.openxmlformats.org/drawingml/2006/main" xmlns:r="http://schemas.openxmlformats.org/officeDocument/2006/relationships" xmlns:p="http://schemas.openxmlformats.org/presentationml/2006/main">
+  <p:cSld>
+    <p:spTree>
+      <p:nvGrpSpPr>
+        <p:cNvPr id="1" name=""/>
+        <p:cNvGrpSpPr/>
+        <p:nvPr/>
+      </p:nvGrpSpPr>
+      <p:grpSpPr>
+        <a:xfrm>
+          <a:off x="0" y="0"/>
+          <a:ext cx="0" cy="0"/>
+          <a:chOff x="0" y="0"/>
+          <a:chExt cx="0" cy="0"/>
+        </a:xfrm>
+      </p:grpSpPr>
+      <p:sp>
+        <p:nvSpPr>
+          <p:cNvPr id="2" name="幻灯片图像占位符 1"/>
+          <p:cNvSpPr>
+            <a:spLocks noGrp="1" noRot="1" noChangeAspect="1"/>
+          </p:cNvSpPr>
+          <p:nvPr>
+            <p:ph type="sldImg"/>
+          </p:nvPr>
+        </p:nvSpPr>
+        <p:spPr/>
+      </p:sp>
+      <p:sp>
+        <p:nvSpPr>
+          <p:cNvPr id="3" name="备注占位符 2"/>
+          <p:cNvSpPr>
+            <a:spLocks noGrp="1"/>
+          </p:cNvSpPr>
+          <p:nvPr>
+            <p:ph type="body" idx="1"/>
+          </p:nvPr>
+        </p:nvSpPr>
+        <p:spPr/>
+        <p:txBody>
+          <a:bodyPr/>
+          <a:lstStyle/>
+          <a:p>
+            <a:endParaRPr lang="zh-CN" altLang="en-US" sz="1200" b="0" i="0" u="none" strike="noStrike" kern="1200" baseline="0" dirty="0">
+              <a:solidFill>
+                <a:schemeClr val="tx1"/>
+              </a:solidFill>
+              <a:latin typeface="+mn-lt"/>
+              <a:ea typeface="+mn-ea"/>
+              <a:cs typeface="+mn-cs"/>
+            </a:endParaRPr>
+          </a:p>
+        </p:txBody>
+      </p:sp>
+      <p:sp>
+        <p:nvSpPr>
+          <p:cNvPr id="4" name="灯片编号占位符 3"/>
+          <p:cNvSpPr>
+            <a:spLocks noGrp="1"/>
+          </p:cNvSpPr>
+          <p:nvPr>
+            <p:ph type="sldNum" sz="quarter" idx="10"/>
+          </p:nvPr>
+        </p:nvSpPr>
+        <p:spPr/>
+        <p:txBody>
+          <a:bodyPr/>
+          <a:lstStyle/>
+          <a:p>
+            <a:fld id="{B85ADB43-7348-48AD-B03C-D160B7A825E1}" type="slidenum">
+              <a:rPr lang="zh-CN" altLang="en-US" smtClean="0"/>
+              <a:pPr/>
+              <a:t>11</a:t>
+            </a:fld>
+            <a:endParaRPr lang="zh-CN" altLang="en-US"/>
+          </a:p>
+        </p:txBody>
+      </p:sp>
+    </p:spTree>
+    <p:extLst>
+      <p:ext uri="{BB962C8B-B14F-4D97-AF65-F5344CB8AC3E}">
+        <p14:creationId xmlns:p14="http://schemas.microsoft.com/office/powerpoint/2010/main" val="2192401554"/>
+      </p:ext>
+    </p:extLst>
+  </p:cSld>
+  <p:clrMapOvr>
+    <a:masterClrMapping/>
+  </p:clrMapOvr>
+</p:notes>
+</file>
+
+<file path=ppt/notesSlides/notesSlide12.xml><?xml version="1.0" encoding="utf-8"?>
+<p:notes xmlns:a="http://schemas.openxmlformats.org/drawingml/2006/main" xmlns:r="http://schemas.openxmlformats.org/officeDocument/2006/relationships" xmlns:p="http://schemas.openxmlformats.org/presentationml/2006/main">
+  <p:cSld>
+    <p:spTree>
+      <p:nvGrpSpPr>
+        <p:cNvPr id="1" name=""/>
+        <p:cNvGrpSpPr/>
+        <p:nvPr/>
+      </p:nvGrpSpPr>
+      <p:grpSpPr>
+        <a:xfrm>
+          <a:off x="0" y="0"/>
+          <a:ext cx="0" cy="0"/>
+          <a:chOff x="0" y="0"/>
+          <a:chExt cx="0" cy="0"/>
+        </a:xfrm>
+      </p:grpSpPr>
+      <p:sp>
+        <p:nvSpPr>
+          <p:cNvPr id="2" name="幻灯片图像占位符 1"/>
+          <p:cNvSpPr>
+            <a:spLocks noGrp="1" noRot="1" noChangeAspect="1"/>
+          </p:cNvSpPr>
+          <p:nvPr>
+            <p:ph type="sldImg"/>
+          </p:nvPr>
+        </p:nvSpPr>
+        <p:spPr/>
+      </p:sp>
+      <p:sp>
+        <p:nvSpPr>
+          <p:cNvPr id="3" name="备注占位符 2"/>
+          <p:cNvSpPr>
+            <a:spLocks noGrp="1"/>
+          </p:cNvSpPr>
+          <p:nvPr>
+            <p:ph type="body" idx="1"/>
+          </p:nvPr>
+        </p:nvSpPr>
+        <p:spPr/>
+        <p:txBody>
+          <a:bodyPr/>
+          <a:lstStyle/>
+          <a:p>
+            <a:endParaRPr lang="zh-CN" altLang="en-US" sz="1200" b="0" i="0" u="none" strike="noStrike" kern="1200" baseline="0" dirty="0">
+              <a:solidFill>
+                <a:schemeClr val="tx1"/>
+              </a:solidFill>
+              <a:latin typeface="+mn-lt"/>
+              <a:ea typeface="+mn-ea"/>
+              <a:cs typeface="+mn-cs"/>
+            </a:endParaRPr>
+          </a:p>
+        </p:txBody>
+      </p:sp>
+      <p:sp>
+        <p:nvSpPr>
+          <p:cNvPr id="4" name="灯片编号占位符 3"/>
+          <p:cNvSpPr>
+            <a:spLocks noGrp="1"/>
+          </p:cNvSpPr>
+          <p:nvPr>
+            <p:ph type="sldNum" sz="quarter" idx="10"/>
+          </p:nvPr>
+        </p:nvSpPr>
+        <p:spPr/>
+        <p:txBody>
+          <a:bodyPr/>
+          <a:lstStyle/>
+          <a:p>
+            <a:fld id="{B85ADB43-7348-48AD-B03C-D160B7A825E1}" type="slidenum">
+              <a:rPr lang="zh-CN" altLang="en-US" smtClean="0"/>
+              <a:pPr/>
+              <a:t>12</a:t>
+            </a:fld>
+            <a:endParaRPr lang="zh-CN" altLang="en-US"/>
+          </a:p>
+        </p:txBody>
+      </p:sp>
+    </p:spTree>
+    <p:extLst>
+      <p:ext uri="{BB962C8B-B14F-4D97-AF65-F5344CB8AC3E}">
+        <p14:creationId xmlns:p14="http://schemas.microsoft.com/office/powerpoint/2010/main" val="242993368"/>
+      </p:ext>
+    </p:extLst>
+  </p:cSld>
+  <p:clrMapOvr>
+    <a:masterClrMapping/>
+  </p:clrMapOvr>
+</p:notes>
+</file>
+
+<file path=ppt/notesSlides/notesSlide13.xml><?xml version="1.0" encoding="utf-8"?>
+<p:notes xmlns:a="http://schemas.openxmlformats.org/drawingml/2006/main" xmlns:r="http://schemas.openxmlformats.org/officeDocument/2006/relationships" xmlns:p="http://schemas.openxmlformats.org/presentationml/2006/main">
+  <p:cSld>
+    <p:spTree>
+      <p:nvGrpSpPr>
+        <p:cNvPr id="1" name=""/>
+        <p:cNvGrpSpPr/>
+        <p:nvPr/>
+      </p:nvGrpSpPr>
+      <p:grpSpPr>
+        <a:xfrm>
+          <a:off x="0" y="0"/>
+          <a:ext cx="0" cy="0"/>
+          <a:chOff x="0" y="0"/>
+          <a:chExt cx="0" cy="0"/>
+        </a:xfrm>
+      </p:grpSpPr>
+      <p:sp>
+        <p:nvSpPr>
+          <p:cNvPr id="2" name="幻灯片图像占位符 1"/>
+          <p:cNvSpPr>
+            <a:spLocks noGrp="1" noRot="1" noChangeAspect="1"/>
+          </p:cNvSpPr>
+          <p:nvPr>
+            <p:ph type="sldImg"/>
+          </p:nvPr>
+        </p:nvSpPr>
+        <p:spPr/>
+      </p:sp>
+      <p:sp>
+        <p:nvSpPr>
+          <p:cNvPr id="3" name="备注占位符 2"/>
+          <p:cNvSpPr>
+            <a:spLocks noGrp="1"/>
+          </p:cNvSpPr>
+          <p:nvPr>
+            <p:ph type="body" idx="1"/>
+          </p:nvPr>
+        </p:nvSpPr>
+        <p:spPr/>
+        <p:txBody>
+          <a:bodyPr/>
+          <a:lstStyle/>
+          <a:p>
+            <a:endParaRPr lang="zh-CN" altLang="en-US" sz="1200" b="0" i="0" u="none" strike="noStrike" kern="1200" baseline="0" dirty="0">
+              <a:solidFill>
+                <a:schemeClr val="tx1"/>
+              </a:solidFill>
+              <a:latin typeface="+mn-lt"/>
+              <a:ea typeface="+mn-ea"/>
+              <a:cs typeface="+mn-cs"/>
+            </a:endParaRPr>
+          </a:p>
+        </p:txBody>
+      </p:sp>
+      <p:sp>
+        <p:nvSpPr>
+          <p:cNvPr id="4" name="灯片编号占位符 3"/>
+          <p:cNvSpPr>
+            <a:spLocks noGrp="1"/>
+          </p:cNvSpPr>
+          <p:nvPr>
+            <p:ph type="sldNum" sz="quarter" idx="10"/>
+          </p:nvPr>
+        </p:nvSpPr>
+        <p:spPr/>
+        <p:txBody>
+          <a:bodyPr/>
+          <a:lstStyle/>
+          <a:p>
+            <a:fld id="{B85ADB43-7348-48AD-B03C-D160B7A825E1}" type="slidenum">
+              <a:rPr lang="zh-CN" altLang="en-US" smtClean="0"/>
+              <a:pPr/>
+              <a:t>13</a:t>
+            </a:fld>
+            <a:endParaRPr lang="zh-CN" altLang="en-US"/>
+          </a:p>
+        </p:txBody>
+      </p:sp>
+    </p:spTree>
+    <p:extLst>
+      <p:ext uri="{BB962C8B-B14F-4D97-AF65-F5344CB8AC3E}">
+        <p14:creationId xmlns:p14="http://schemas.microsoft.com/office/powerpoint/2010/main" val="733812471"/>
+      </p:ext>
+    </p:extLst>
+  </p:cSld>
+  <p:clrMapOvr>
+    <a:masterClrMapping/>
+  </p:clrMapOvr>
+</p:notes>
+</file>
+
+<file path=ppt/notesSlides/notesSlide14.xml><?xml version="1.0" encoding="utf-8"?>
+<p:notes xmlns:a="http://schemas.openxmlformats.org/drawingml/2006/main" xmlns:r="http://schemas.openxmlformats.org/officeDocument/2006/relationships" xmlns:p="http://schemas.openxmlformats.org/presentationml/2006/main">
+  <p:cSld>
+    <p:spTree>
+      <p:nvGrpSpPr>
+        <p:cNvPr id="1" name=""/>
+        <p:cNvGrpSpPr/>
+        <p:nvPr/>
+      </p:nvGrpSpPr>
+      <p:grpSpPr>
+        <a:xfrm>
+          <a:off x="0" y="0"/>
+          <a:ext cx="0" cy="0"/>
+          <a:chOff x="0" y="0"/>
+          <a:chExt cx="0" cy="0"/>
+        </a:xfrm>
+      </p:grpSpPr>
+      <p:sp>
+        <p:nvSpPr>
+          <p:cNvPr id="2" name="幻灯片图像占位符 1"/>
+          <p:cNvSpPr>
+            <a:spLocks noGrp="1" noRot="1" noChangeAspect="1"/>
+          </p:cNvSpPr>
+          <p:nvPr>
+            <p:ph type="sldImg"/>
+          </p:nvPr>
+        </p:nvSpPr>
+        <p:spPr/>
+      </p:sp>
+      <p:sp>
+        <p:nvSpPr>
+          <p:cNvPr id="3" name="备注占位符 2"/>
+          <p:cNvSpPr>
+            <a:spLocks noGrp="1"/>
+          </p:cNvSpPr>
+          <p:nvPr>
+            <p:ph type="body" idx="1"/>
+          </p:nvPr>
+        </p:nvSpPr>
+        <p:spPr/>
+        <p:txBody>
+          <a:bodyPr/>
+          <a:lstStyle/>
+          <a:p>
+            <a:endParaRPr lang="zh-CN" altLang="en-US" sz="1200" b="0" i="0" u="none" strike="noStrike" kern="1200" baseline="0" dirty="0">
+              <a:solidFill>
+                <a:schemeClr val="tx1"/>
+              </a:solidFill>
+              <a:latin typeface="+mn-lt"/>
+              <a:ea typeface="+mn-ea"/>
+              <a:cs typeface="+mn-cs"/>
+            </a:endParaRPr>
+          </a:p>
+        </p:txBody>
+      </p:sp>
+      <p:sp>
+        <p:nvSpPr>
+          <p:cNvPr id="4" name="灯片编号占位符 3"/>
+          <p:cNvSpPr>
+            <a:spLocks noGrp="1"/>
+          </p:cNvSpPr>
+          <p:nvPr>
+            <p:ph type="sldNum" sz="quarter" idx="10"/>
+          </p:nvPr>
+        </p:nvSpPr>
+        <p:spPr/>
+        <p:txBody>
+          <a:bodyPr/>
+          <a:lstStyle/>
+          <a:p>
+            <a:fld id="{B85ADB43-7348-48AD-B03C-D160B7A825E1}" type="slidenum">
+              <a:rPr lang="zh-CN" altLang="en-US" smtClean="0"/>
+              <a:pPr/>
+              <a:t>14</a:t>
+            </a:fld>
+            <a:endParaRPr lang="zh-CN" altLang="en-US"/>
+          </a:p>
+        </p:txBody>
+      </p:sp>
+    </p:spTree>
+    <p:extLst>
+      <p:ext uri="{BB962C8B-B14F-4D97-AF65-F5344CB8AC3E}">
+        <p14:creationId xmlns:p14="http://schemas.microsoft.com/office/powerpoint/2010/main" val="2585622711"/>
       </p:ext>
     </p:extLst>
   </p:cSld>
@@ -615,14 +1082,7 @@
           <a:bodyPr/>
           <a:lstStyle/>
           <a:p>
-            <a:endParaRPr lang="zh-CN" altLang="en-US" sz="1200" b="0" i="0" u="none" strike="noStrike" kern="1200" baseline="0" dirty="0">
-              <a:solidFill>
-                <a:schemeClr val="tx1"/>
-              </a:solidFill>
-              <a:latin typeface="+mn-lt"/>
-              <a:ea typeface="+mn-ea"/>
-              <a:cs typeface="+mn-cs"/>
-            </a:endParaRPr>
+            <a:endParaRPr lang="en-GB" dirty="0"/>
           </a:p>
         </p:txBody>
       </p:sp>
@@ -633,7 +1093,7 @@
             <a:spLocks noGrp="1"/>
           </p:cNvSpPr>
           <p:nvPr>
-            <p:ph type="sldNum" sz="quarter" idx="10"/>
+            <p:ph type="sldNum" sz="quarter" idx="5"/>
           </p:nvPr>
         </p:nvSpPr>
         <p:spPr/>
@@ -641,10 +1101,10 @@
           <a:bodyPr/>
           <a:lstStyle/>
           <a:p>
-            <a:fld id="{B85ADB43-7348-48AD-B03C-D160B7A825E1}" type="slidenum">
+            <a:fld id="{F55B992F-8380-4DAC-8CFB-1A973BAF2004}" type="slidenum">
               <a:rPr lang="zh-CN" altLang="en-US" smtClean="0"/>
               <a:pPr/>
-              <a:t>3</a:t>
+              <a:t>2</a:t>
             </a:fld>
             <a:endParaRPr lang="zh-CN" altLang="en-US"/>
           </a:p>
@@ -653,7 +1113,7 @@
     </p:spTree>
     <p:extLst>
       <p:ext uri="{BB962C8B-B14F-4D97-AF65-F5344CB8AC3E}">
-        <p14:creationId xmlns:p14="http://schemas.microsoft.com/office/powerpoint/2010/main" val="6214218"/>
+        <p14:creationId xmlns:p14="http://schemas.microsoft.com/office/powerpoint/2010/main" val="1615279505"/>
       </p:ext>
     </p:extLst>
   </p:cSld>
@@ -736,7 +1196,7 @@
             <a:fld id="{B85ADB43-7348-48AD-B03C-D160B7A825E1}" type="slidenum">
               <a:rPr lang="zh-CN" altLang="en-US" smtClean="0"/>
               <a:pPr/>
-              <a:t>4</a:t>
+              <a:t>3</a:t>
             </a:fld>
             <a:endParaRPr lang="zh-CN" altLang="en-US"/>
           </a:p>
@@ -745,7 +1205,7 @@
     </p:spTree>
     <p:extLst>
       <p:ext uri="{BB962C8B-B14F-4D97-AF65-F5344CB8AC3E}">
-        <p14:creationId xmlns:p14="http://schemas.microsoft.com/office/powerpoint/2010/main" val="1154650911"/>
+        <p14:creationId xmlns:p14="http://schemas.microsoft.com/office/powerpoint/2010/main" val="6214218"/>
       </p:ext>
     </p:extLst>
   </p:cSld>
@@ -828,7 +1288,7 @@
             <a:fld id="{B85ADB43-7348-48AD-B03C-D160B7A825E1}" type="slidenum">
               <a:rPr lang="zh-CN" altLang="en-US" smtClean="0"/>
               <a:pPr/>
-              <a:t>5</a:t>
+              <a:t>4</a:t>
             </a:fld>
             <a:endParaRPr lang="zh-CN" altLang="en-US"/>
           </a:p>
@@ -837,7 +1297,7 @@
     </p:spTree>
     <p:extLst>
       <p:ext uri="{BB962C8B-B14F-4D97-AF65-F5344CB8AC3E}">
-        <p14:creationId xmlns:p14="http://schemas.microsoft.com/office/powerpoint/2010/main" val="2458179093"/>
+        <p14:creationId xmlns:p14="http://schemas.microsoft.com/office/powerpoint/2010/main" val="1154650911"/>
       </p:ext>
     </p:extLst>
   </p:cSld>
@@ -920,7 +1380,7 @@
             <a:fld id="{B85ADB43-7348-48AD-B03C-D160B7A825E1}" type="slidenum">
               <a:rPr lang="zh-CN" altLang="en-US" smtClean="0"/>
               <a:pPr/>
-              <a:t>6</a:t>
+              <a:t>5</a:t>
             </a:fld>
             <a:endParaRPr lang="zh-CN" altLang="en-US"/>
           </a:p>
@@ -929,7 +1389,7 @@
     </p:spTree>
     <p:extLst>
       <p:ext uri="{BB962C8B-B14F-4D97-AF65-F5344CB8AC3E}">
-        <p14:creationId xmlns:p14="http://schemas.microsoft.com/office/powerpoint/2010/main" val="438457009"/>
+        <p14:creationId xmlns:p14="http://schemas.microsoft.com/office/powerpoint/2010/main" val="1839748329"/>
       </p:ext>
     </p:extLst>
   </p:cSld>
@@ -1012,6 +1472,98 @@
             <a:fld id="{B85ADB43-7348-48AD-B03C-D160B7A825E1}" type="slidenum">
               <a:rPr lang="zh-CN" altLang="en-US" smtClean="0"/>
               <a:pPr/>
+              <a:t>6</a:t>
+            </a:fld>
+            <a:endParaRPr lang="zh-CN" altLang="en-US"/>
+          </a:p>
+        </p:txBody>
+      </p:sp>
+    </p:spTree>
+    <p:extLst>
+      <p:ext uri="{BB962C8B-B14F-4D97-AF65-F5344CB8AC3E}">
+        <p14:creationId xmlns:p14="http://schemas.microsoft.com/office/powerpoint/2010/main" val="4147116280"/>
+      </p:ext>
+    </p:extLst>
+  </p:cSld>
+  <p:clrMapOvr>
+    <a:masterClrMapping/>
+  </p:clrMapOvr>
+</p:notes>
+</file>
+
+<file path=ppt/notesSlides/notesSlide7.xml><?xml version="1.0" encoding="utf-8"?>
+<p:notes xmlns:a="http://schemas.openxmlformats.org/drawingml/2006/main" xmlns:r="http://schemas.openxmlformats.org/officeDocument/2006/relationships" xmlns:p="http://schemas.openxmlformats.org/presentationml/2006/main">
+  <p:cSld>
+    <p:spTree>
+      <p:nvGrpSpPr>
+        <p:cNvPr id="1" name=""/>
+        <p:cNvGrpSpPr/>
+        <p:nvPr/>
+      </p:nvGrpSpPr>
+      <p:grpSpPr>
+        <a:xfrm>
+          <a:off x="0" y="0"/>
+          <a:ext cx="0" cy="0"/>
+          <a:chOff x="0" y="0"/>
+          <a:chExt cx="0" cy="0"/>
+        </a:xfrm>
+      </p:grpSpPr>
+      <p:sp>
+        <p:nvSpPr>
+          <p:cNvPr id="2" name="幻灯片图像占位符 1"/>
+          <p:cNvSpPr>
+            <a:spLocks noGrp="1" noRot="1" noChangeAspect="1"/>
+          </p:cNvSpPr>
+          <p:nvPr>
+            <p:ph type="sldImg"/>
+          </p:nvPr>
+        </p:nvSpPr>
+        <p:spPr/>
+      </p:sp>
+      <p:sp>
+        <p:nvSpPr>
+          <p:cNvPr id="3" name="备注占位符 2"/>
+          <p:cNvSpPr>
+            <a:spLocks noGrp="1"/>
+          </p:cNvSpPr>
+          <p:nvPr>
+            <p:ph type="body" idx="1"/>
+          </p:nvPr>
+        </p:nvSpPr>
+        <p:spPr/>
+        <p:txBody>
+          <a:bodyPr/>
+          <a:lstStyle/>
+          <a:p>
+            <a:endParaRPr lang="zh-CN" altLang="en-US" sz="1200" b="0" i="0" u="none" strike="noStrike" kern="1200" baseline="0" dirty="0">
+              <a:solidFill>
+                <a:schemeClr val="tx1"/>
+              </a:solidFill>
+              <a:latin typeface="+mn-lt"/>
+              <a:ea typeface="+mn-ea"/>
+              <a:cs typeface="+mn-cs"/>
+            </a:endParaRPr>
+          </a:p>
+        </p:txBody>
+      </p:sp>
+      <p:sp>
+        <p:nvSpPr>
+          <p:cNvPr id="4" name="灯片编号占位符 3"/>
+          <p:cNvSpPr>
+            <a:spLocks noGrp="1"/>
+          </p:cNvSpPr>
+          <p:nvPr>
+            <p:ph type="sldNum" sz="quarter" idx="10"/>
+          </p:nvPr>
+        </p:nvSpPr>
+        <p:spPr/>
+        <p:txBody>
+          <a:bodyPr/>
+          <a:lstStyle/>
+          <a:p>
+            <a:fld id="{B85ADB43-7348-48AD-B03C-D160B7A825E1}" type="slidenum">
+              <a:rPr lang="zh-CN" altLang="en-US" smtClean="0"/>
+              <a:pPr/>
               <a:t>7</a:t>
             </a:fld>
             <a:endParaRPr lang="zh-CN" altLang="en-US"/>
@@ -1021,7 +1573,191 @@
     </p:spTree>
     <p:extLst>
       <p:ext uri="{BB962C8B-B14F-4D97-AF65-F5344CB8AC3E}">
-        <p14:creationId xmlns:p14="http://schemas.microsoft.com/office/powerpoint/2010/main" val="2585622711"/>
+        <p14:creationId xmlns:p14="http://schemas.microsoft.com/office/powerpoint/2010/main" val="2458179093"/>
+      </p:ext>
+    </p:extLst>
+  </p:cSld>
+  <p:clrMapOvr>
+    <a:masterClrMapping/>
+  </p:clrMapOvr>
+</p:notes>
+</file>
+
+<file path=ppt/notesSlides/notesSlide8.xml><?xml version="1.0" encoding="utf-8"?>
+<p:notes xmlns:a="http://schemas.openxmlformats.org/drawingml/2006/main" xmlns:r="http://schemas.openxmlformats.org/officeDocument/2006/relationships" xmlns:p="http://schemas.openxmlformats.org/presentationml/2006/main">
+  <p:cSld>
+    <p:spTree>
+      <p:nvGrpSpPr>
+        <p:cNvPr id="1" name=""/>
+        <p:cNvGrpSpPr/>
+        <p:nvPr/>
+      </p:nvGrpSpPr>
+      <p:grpSpPr>
+        <a:xfrm>
+          <a:off x="0" y="0"/>
+          <a:ext cx="0" cy="0"/>
+          <a:chOff x="0" y="0"/>
+          <a:chExt cx="0" cy="0"/>
+        </a:xfrm>
+      </p:grpSpPr>
+      <p:sp>
+        <p:nvSpPr>
+          <p:cNvPr id="2" name="幻灯片图像占位符 1"/>
+          <p:cNvSpPr>
+            <a:spLocks noGrp="1" noRot="1" noChangeAspect="1"/>
+          </p:cNvSpPr>
+          <p:nvPr>
+            <p:ph type="sldImg"/>
+          </p:nvPr>
+        </p:nvSpPr>
+        <p:spPr/>
+      </p:sp>
+      <p:sp>
+        <p:nvSpPr>
+          <p:cNvPr id="3" name="备注占位符 2"/>
+          <p:cNvSpPr>
+            <a:spLocks noGrp="1"/>
+          </p:cNvSpPr>
+          <p:nvPr>
+            <p:ph type="body" idx="1"/>
+          </p:nvPr>
+        </p:nvSpPr>
+        <p:spPr/>
+        <p:txBody>
+          <a:bodyPr/>
+          <a:lstStyle/>
+          <a:p>
+            <a:endParaRPr lang="zh-CN" altLang="en-US" sz="1200" b="0" i="0" u="none" strike="noStrike" kern="1200" baseline="0" dirty="0">
+              <a:solidFill>
+                <a:schemeClr val="tx1"/>
+              </a:solidFill>
+              <a:latin typeface="+mn-lt"/>
+              <a:ea typeface="+mn-ea"/>
+              <a:cs typeface="+mn-cs"/>
+            </a:endParaRPr>
+          </a:p>
+        </p:txBody>
+      </p:sp>
+      <p:sp>
+        <p:nvSpPr>
+          <p:cNvPr id="4" name="灯片编号占位符 3"/>
+          <p:cNvSpPr>
+            <a:spLocks noGrp="1"/>
+          </p:cNvSpPr>
+          <p:nvPr>
+            <p:ph type="sldNum" sz="quarter" idx="10"/>
+          </p:nvPr>
+        </p:nvSpPr>
+        <p:spPr/>
+        <p:txBody>
+          <a:bodyPr/>
+          <a:lstStyle/>
+          <a:p>
+            <a:fld id="{B85ADB43-7348-48AD-B03C-D160B7A825E1}" type="slidenum">
+              <a:rPr lang="zh-CN" altLang="en-US" smtClean="0"/>
+              <a:pPr/>
+              <a:t>8</a:t>
+            </a:fld>
+            <a:endParaRPr lang="zh-CN" altLang="en-US"/>
+          </a:p>
+        </p:txBody>
+      </p:sp>
+    </p:spTree>
+    <p:extLst>
+      <p:ext uri="{BB962C8B-B14F-4D97-AF65-F5344CB8AC3E}">
+        <p14:creationId xmlns:p14="http://schemas.microsoft.com/office/powerpoint/2010/main" val="2880226368"/>
+      </p:ext>
+    </p:extLst>
+  </p:cSld>
+  <p:clrMapOvr>
+    <a:masterClrMapping/>
+  </p:clrMapOvr>
+</p:notes>
+</file>
+
+<file path=ppt/notesSlides/notesSlide9.xml><?xml version="1.0" encoding="utf-8"?>
+<p:notes xmlns:a="http://schemas.openxmlformats.org/drawingml/2006/main" xmlns:r="http://schemas.openxmlformats.org/officeDocument/2006/relationships" xmlns:p="http://schemas.openxmlformats.org/presentationml/2006/main">
+  <p:cSld>
+    <p:spTree>
+      <p:nvGrpSpPr>
+        <p:cNvPr id="1" name=""/>
+        <p:cNvGrpSpPr/>
+        <p:nvPr/>
+      </p:nvGrpSpPr>
+      <p:grpSpPr>
+        <a:xfrm>
+          <a:off x="0" y="0"/>
+          <a:ext cx="0" cy="0"/>
+          <a:chOff x="0" y="0"/>
+          <a:chExt cx="0" cy="0"/>
+        </a:xfrm>
+      </p:grpSpPr>
+      <p:sp>
+        <p:nvSpPr>
+          <p:cNvPr id="2" name="幻灯片图像占位符 1"/>
+          <p:cNvSpPr>
+            <a:spLocks noGrp="1" noRot="1" noChangeAspect="1"/>
+          </p:cNvSpPr>
+          <p:nvPr>
+            <p:ph type="sldImg"/>
+          </p:nvPr>
+        </p:nvSpPr>
+        <p:spPr/>
+      </p:sp>
+      <p:sp>
+        <p:nvSpPr>
+          <p:cNvPr id="3" name="备注占位符 2"/>
+          <p:cNvSpPr>
+            <a:spLocks noGrp="1"/>
+          </p:cNvSpPr>
+          <p:nvPr>
+            <p:ph type="body" idx="1"/>
+          </p:nvPr>
+        </p:nvSpPr>
+        <p:spPr/>
+        <p:txBody>
+          <a:bodyPr/>
+          <a:lstStyle/>
+          <a:p>
+            <a:endParaRPr lang="zh-CN" altLang="en-US" sz="1200" b="0" i="0" u="none" strike="noStrike" kern="1200" baseline="0" dirty="0">
+              <a:solidFill>
+                <a:schemeClr val="tx1"/>
+              </a:solidFill>
+              <a:latin typeface="+mn-lt"/>
+              <a:ea typeface="+mn-ea"/>
+              <a:cs typeface="+mn-cs"/>
+            </a:endParaRPr>
+          </a:p>
+        </p:txBody>
+      </p:sp>
+      <p:sp>
+        <p:nvSpPr>
+          <p:cNvPr id="4" name="灯片编号占位符 3"/>
+          <p:cNvSpPr>
+            <a:spLocks noGrp="1"/>
+          </p:cNvSpPr>
+          <p:nvPr>
+            <p:ph type="sldNum" sz="quarter" idx="10"/>
+          </p:nvPr>
+        </p:nvSpPr>
+        <p:spPr/>
+        <p:txBody>
+          <a:bodyPr/>
+          <a:lstStyle/>
+          <a:p>
+            <a:fld id="{B85ADB43-7348-48AD-B03C-D160B7A825E1}" type="slidenum">
+              <a:rPr lang="zh-CN" altLang="en-US" smtClean="0"/>
+              <a:pPr/>
+              <a:t>9</a:t>
+            </a:fld>
+            <a:endParaRPr lang="zh-CN" altLang="en-US"/>
+          </a:p>
+        </p:txBody>
+      </p:sp>
+    </p:spTree>
+    <p:extLst>
+      <p:ext uri="{BB962C8B-B14F-4D97-AF65-F5344CB8AC3E}">
+        <p14:creationId xmlns:p14="http://schemas.microsoft.com/office/powerpoint/2010/main" val="4125798470"/>
       </p:ext>
     </p:extLst>
   </p:cSld>
@@ -1495,7 +2231,7 @@
             <a:fld id="{B82A34D6-9213-4FC6-A6D6-AFCBEA83F44C}" type="datetimeFigureOut">
               <a:rPr lang="zh-CN" altLang="en-US" smtClean="0"/>
               <a:pPr/>
-              <a:t>2020/3/6</a:t>
+              <a:t>2020/3/7</a:t>
             </a:fld>
             <a:endParaRPr lang="zh-CN" altLang="en-US"/>
           </a:p>
@@ -3628,7 +4364,7 @@
             <a:fld id="{B82A34D6-9213-4FC6-A6D6-AFCBEA83F44C}" type="datetimeFigureOut">
               <a:rPr lang="zh-CN" altLang="en-US" smtClean="0"/>
               <a:pPr/>
-              <a:t>2020/3/6</a:t>
+              <a:t>2020/3/7</a:t>
             </a:fld>
             <a:endParaRPr lang="zh-CN" altLang="en-US"/>
           </a:p>
@@ -4230,8 +4966,12 @@
           <a:lstStyle/>
           <a:p>
             <a:r>
+              <a:rPr lang="en-US" altLang="zh-CN" dirty="0"/>
+              <a:t>Customed </a:t>
+            </a:r>
+            <a:r>
               <a:rPr lang="en-US" dirty="0"/>
-              <a:t>My own PostgreSQL Performance test</a:t>
+              <a:t>Performance test</a:t>
             </a:r>
             <a:endParaRPr lang="en-GB" dirty="0"/>
           </a:p>
@@ -4243,6 +4983,1395 @@
     <a:masterClrMapping/>
   </p:clrMapOvr>
   <p:transition/>
+</p:sld>
+</file>
+
+<file path=ppt/slides/slide10.xml><?xml version="1.0" encoding="utf-8"?>
+<p:sld xmlns:a="http://schemas.openxmlformats.org/drawingml/2006/main" xmlns:r="http://schemas.openxmlformats.org/officeDocument/2006/relationships" xmlns:p="http://schemas.openxmlformats.org/presentationml/2006/main">
+  <p:cSld>
+    <p:spTree>
+      <p:nvGrpSpPr>
+        <p:cNvPr id="1" name=""/>
+        <p:cNvGrpSpPr/>
+        <p:nvPr/>
+      </p:nvGrpSpPr>
+      <p:grpSpPr>
+        <a:xfrm>
+          <a:off x="0" y="0"/>
+          <a:ext cx="0" cy="0"/>
+          <a:chOff x="0" y="0"/>
+          <a:chExt cx="0" cy="0"/>
+        </a:xfrm>
+      </p:grpSpPr>
+      <p:sp>
+        <p:nvSpPr>
+          <p:cNvPr id="12" name="内容占位符 11"/>
+          <p:cNvSpPr>
+            <a:spLocks noGrp="1"/>
+          </p:cNvSpPr>
+          <p:nvPr>
+            <p:ph idx="1"/>
+          </p:nvPr>
+        </p:nvSpPr>
+        <p:spPr>
+          <a:xfrm>
+            <a:off x="566737" y="1643050"/>
+            <a:ext cx="8008937" cy="4714908"/>
+          </a:xfrm>
+        </p:spPr>
+        <p:txBody>
+          <a:bodyPr>
+            <a:normAutofit/>
+          </a:bodyPr>
+          <a:lstStyle/>
+          <a:p>
+            <a:r>
+              <a:rPr lang="en-GB" altLang="zh-CN" sz="2400" dirty="0">
+                <a:effectLst/>
+              </a:rPr>
+              <a:t>Server-upload results to the database</a:t>
+            </a:r>
+          </a:p>
+          <a:p>
+            <a:pPr lvl="1"/>
+            <a:r>
+              <a:rPr lang="en-GB" altLang="zh-CN" sz="2000" dirty="0"/>
+              <a:t>add customeScript type in testcategory table in the database</a:t>
+            </a:r>
+            <a:endParaRPr lang="en-US" altLang="zh-CN" sz="2400" dirty="0">
+              <a:effectLst/>
+            </a:endParaRPr>
+          </a:p>
+          <a:p>
+            <a:pPr marL="471487" lvl="1" indent="0">
+              <a:buNone/>
+            </a:pPr>
+            <a:endParaRPr lang="en-US" altLang="zh-CN" sz="2000" dirty="0"/>
+          </a:p>
+        </p:txBody>
+      </p:sp>
+      <p:sp>
+        <p:nvSpPr>
+          <p:cNvPr id="9" name="标题 1"/>
+          <p:cNvSpPr>
+            <a:spLocks noGrp="1"/>
+          </p:cNvSpPr>
+          <p:nvPr>
+            <p:ph type="title"/>
+          </p:nvPr>
+        </p:nvSpPr>
+        <p:spPr>
+          <a:xfrm>
+            <a:off x="574675" y="304800"/>
+            <a:ext cx="8001000" cy="820738"/>
+          </a:xfrm>
+        </p:spPr>
+        <p:txBody>
+          <a:bodyPr/>
+          <a:lstStyle/>
+          <a:p>
+            <a:r>
+              <a:rPr lang="en-US" altLang="zh-CN" dirty="0"/>
+              <a:t>Implementation Details</a:t>
+            </a:r>
+            <a:endParaRPr lang="zh-CN" altLang="en-US" dirty="0"/>
+          </a:p>
+        </p:txBody>
+      </p:sp>
+      <p:sp>
+        <p:nvSpPr>
+          <p:cNvPr id="4" name="日期占位符 3"/>
+          <p:cNvSpPr>
+            <a:spLocks noGrp="1"/>
+          </p:cNvSpPr>
+          <p:nvPr>
+            <p:ph type="dt" sz="half" idx="11"/>
+          </p:nvPr>
+        </p:nvSpPr>
+        <p:spPr>
+          <a:xfrm>
+            <a:off x="-1404664" y="6356350"/>
+            <a:ext cx="2133600" cy="365125"/>
+          </a:xfrm>
+          <a:prstGeom prst="rect">
+            <a:avLst/>
+          </a:prstGeom>
+        </p:spPr>
+        <p:txBody>
+          <a:bodyPr/>
+          <a:lstStyle/>
+          <a:p>
+            <a:fld id="{A645CD40-335F-473C-AFD9-1A70D1B04167}" type="datetime1">
+              <a:rPr lang="zh-CN" altLang="en-US" smtClean="0"/>
+              <a:pPr/>
+              <a:t>2020/3/7</a:t>
+            </a:fld>
+            <a:endParaRPr lang="zh-CN" altLang="en-US" dirty="0"/>
+          </a:p>
+        </p:txBody>
+      </p:sp>
+      <p:sp>
+        <p:nvSpPr>
+          <p:cNvPr id="6" name="Rectangle 35"/>
+          <p:cNvSpPr>
+            <a:spLocks noChangeArrowheads="1"/>
+          </p:cNvSpPr>
+          <p:nvPr/>
+        </p:nvSpPr>
+        <p:spPr bwMode="auto">
+          <a:xfrm>
+            <a:off x="0" y="5798434"/>
+            <a:ext cx="9144000" cy="0"/>
+          </a:xfrm>
+          <a:prstGeom prst="rect">
+            <a:avLst/>
+          </a:prstGeom>
+          <a:solidFill>
+            <a:srgbClr val="FFFFFF"/>
+          </a:solidFill>
+          <a:ln>
+            <a:noFill/>
+          </a:ln>
+          <a:effectLst/>
+          <a:extLst>
+            <a:ext uri="{91240B29-F687-4F45-9708-019B960494DF}">
+              <a14:hiddenLine xmlns:a14="http://schemas.microsoft.com/office/drawing/2010/main" w="9525">
+                <a:solidFill>
+                  <a:schemeClr val="tx1"/>
+                </a:solidFill>
+                <a:miter lim="800000"/>
+                <a:headEnd/>
+                <a:tailEnd/>
+              </a14:hiddenLine>
+            </a:ext>
+            <a:ext uri="{AF507438-7753-43E0-B8FC-AC1667EBCBE1}">
+              <a14:hiddenEffects xmlns:a14="http://schemas.microsoft.com/office/drawing/2010/main">
+                <a:effectLst>
+                  <a:outerShdw dist="35921" dir="2700000" algn="ctr" rotWithShape="0">
+                    <a:schemeClr val="bg2"/>
+                  </a:outerShdw>
+                </a:effectLst>
+              </a14:hiddenEffects>
+            </a:ext>
+          </a:extLst>
+        </p:spPr>
+        <p:txBody>
+          <a:bodyPr vert="horz" wrap="none" lIns="91440" tIns="45720" rIns="91440" bIns="45720" numCol="1" anchor="ctr" anchorCtr="0" compatLnSpc="1">
+            <a:prstTxWarp prst="textNoShape">
+              <a:avLst/>
+            </a:prstTxWarp>
+            <a:spAutoFit/>
+          </a:bodyPr>
+          <a:lstStyle/>
+          <a:p>
+            <a:pPr marL="0" marR="0" lvl="0" indent="758825" algn="l" defTabSz="914400" rtl="0" eaLnBrk="0" fontAlgn="base" latinLnBrk="0" hangingPunct="0">
+              <a:lnSpc>
+                <a:spcPct val="100000"/>
+              </a:lnSpc>
+              <a:spcBef>
+                <a:spcPct val="0"/>
+              </a:spcBef>
+              <a:spcAft>
+                <a:spcPct val="0"/>
+              </a:spcAft>
+              <a:buClrTx/>
+              <a:buSzTx/>
+              <a:buFontTx/>
+              <a:buNone/>
+              <a:tabLst/>
+            </a:pPr>
+            <a:r>
+              <a:rPr kumimoji="0" lang="en-US" altLang="zh-CN" sz="1000" b="0" i="0" u="none" strike="noStrike" cap="none" normalizeH="0" baseline="0">
+                <a:ln>
+                  <a:noFill/>
+                </a:ln>
+                <a:solidFill>
+                  <a:schemeClr val="tx1"/>
+                </a:solidFill>
+                <a:effectLst/>
+                <a:latin typeface="Arial" panose="020B0604020202020204" pitchFamily="34" charset="0"/>
+                <a:ea typeface="楷体_GB2312" charset="-122"/>
+                <a:cs typeface="Times New Roman" panose="02020603050405020304" pitchFamily="18" charset="0"/>
+              </a:rPr>
+              <a:t> </a:t>
+            </a:r>
+            <a:endParaRPr kumimoji="0" lang="en-US" altLang="zh-CN" sz="1800" b="0" i="0" u="none" strike="noStrike" cap="none" normalizeH="0" baseline="0">
+              <a:ln>
+                <a:noFill/>
+              </a:ln>
+              <a:solidFill>
+                <a:schemeClr val="tx1"/>
+              </a:solidFill>
+              <a:effectLst/>
+              <a:latin typeface="Arial" panose="020B0604020202020204" pitchFamily="34" charset="0"/>
+            </a:endParaRPr>
+          </a:p>
+        </p:txBody>
+      </p:sp>
+      <p:sp>
+        <p:nvSpPr>
+          <p:cNvPr id="11" name="日期占位符 3"/>
+          <p:cNvSpPr txBox="1">
+            <a:spLocks/>
+          </p:cNvSpPr>
+          <p:nvPr/>
+        </p:nvSpPr>
+        <p:spPr>
+          <a:xfrm>
+            <a:off x="-1404664" y="6356350"/>
+            <a:ext cx="2133600" cy="365125"/>
+          </a:xfrm>
+          <a:prstGeom prst="rect">
+            <a:avLst/>
+          </a:prstGeom>
+        </p:spPr>
+        <p:txBody>
+          <a:bodyPr vert="horz" lIns="91440" tIns="45720" rIns="91440" bIns="45720" rtlCol="0" anchor="ctr"/>
+          <a:lstStyle>
+            <a:defPPr>
+              <a:defRPr lang="zh-CN"/>
+            </a:defPPr>
+            <a:lvl1pPr marL="0" algn="l" defTabSz="914400" rtl="0" eaLnBrk="1" latinLnBrk="0" hangingPunct="1">
+              <a:defRPr sz="1200" kern="1200">
+                <a:solidFill>
+                  <a:schemeClr val="tx1">
+                    <a:tint val="75000"/>
+                  </a:schemeClr>
+                </a:solidFill>
+                <a:latin typeface="+mn-lt"/>
+                <a:ea typeface="+mn-ea"/>
+                <a:cs typeface="+mn-cs"/>
+              </a:defRPr>
+            </a:lvl1pPr>
+            <a:lvl2pPr marL="457200" algn="l" defTabSz="914400" rtl="0" eaLnBrk="1" latinLnBrk="0" hangingPunct="1">
+              <a:defRPr sz="1800" kern="1200">
+                <a:solidFill>
+                  <a:schemeClr val="tx1"/>
+                </a:solidFill>
+                <a:latin typeface="+mn-lt"/>
+                <a:ea typeface="+mn-ea"/>
+                <a:cs typeface="+mn-cs"/>
+              </a:defRPr>
+            </a:lvl2pPr>
+            <a:lvl3pPr marL="914400" algn="l" defTabSz="914400" rtl="0" eaLnBrk="1" latinLnBrk="0" hangingPunct="1">
+              <a:defRPr sz="1800" kern="1200">
+                <a:solidFill>
+                  <a:schemeClr val="tx1"/>
+                </a:solidFill>
+                <a:latin typeface="+mn-lt"/>
+                <a:ea typeface="+mn-ea"/>
+                <a:cs typeface="+mn-cs"/>
+              </a:defRPr>
+            </a:lvl3pPr>
+            <a:lvl4pPr marL="1371600" algn="l" defTabSz="914400" rtl="0" eaLnBrk="1" latinLnBrk="0" hangingPunct="1">
+              <a:defRPr sz="1800" kern="1200">
+                <a:solidFill>
+                  <a:schemeClr val="tx1"/>
+                </a:solidFill>
+                <a:latin typeface="+mn-lt"/>
+                <a:ea typeface="+mn-ea"/>
+                <a:cs typeface="+mn-cs"/>
+              </a:defRPr>
+            </a:lvl4pPr>
+            <a:lvl5pPr marL="1828800" algn="l" defTabSz="914400" rtl="0" eaLnBrk="1" latinLnBrk="0" hangingPunct="1">
+              <a:defRPr sz="1800" kern="1200">
+                <a:solidFill>
+                  <a:schemeClr val="tx1"/>
+                </a:solidFill>
+                <a:latin typeface="+mn-lt"/>
+                <a:ea typeface="+mn-ea"/>
+                <a:cs typeface="+mn-cs"/>
+              </a:defRPr>
+            </a:lvl5pPr>
+            <a:lvl6pPr marL="2286000" algn="l" defTabSz="914400" rtl="0" eaLnBrk="1" latinLnBrk="0" hangingPunct="1">
+              <a:defRPr sz="1800" kern="1200">
+                <a:solidFill>
+                  <a:schemeClr val="tx1"/>
+                </a:solidFill>
+                <a:latin typeface="+mn-lt"/>
+                <a:ea typeface="+mn-ea"/>
+                <a:cs typeface="+mn-cs"/>
+              </a:defRPr>
+            </a:lvl6pPr>
+            <a:lvl7pPr marL="2743200" algn="l" defTabSz="914400" rtl="0" eaLnBrk="1" latinLnBrk="0" hangingPunct="1">
+              <a:defRPr sz="1800" kern="1200">
+                <a:solidFill>
+                  <a:schemeClr val="tx1"/>
+                </a:solidFill>
+                <a:latin typeface="+mn-lt"/>
+                <a:ea typeface="+mn-ea"/>
+                <a:cs typeface="+mn-cs"/>
+              </a:defRPr>
+            </a:lvl7pPr>
+            <a:lvl8pPr marL="3200400" algn="l" defTabSz="914400" rtl="0" eaLnBrk="1" latinLnBrk="0" hangingPunct="1">
+              <a:defRPr sz="1800" kern="1200">
+                <a:solidFill>
+                  <a:schemeClr val="tx1"/>
+                </a:solidFill>
+                <a:latin typeface="+mn-lt"/>
+                <a:ea typeface="+mn-ea"/>
+                <a:cs typeface="+mn-cs"/>
+              </a:defRPr>
+            </a:lvl8pPr>
+            <a:lvl9pPr marL="3657600" algn="l" defTabSz="914400" rtl="0" eaLnBrk="1" latinLnBrk="0" hangingPunct="1">
+              <a:defRPr sz="1800" kern="1200">
+                <a:solidFill>
+                  <a:schemeClr val="tx1"/>
+                </a:solidFill>
+                <a:latin typeface="+mn-lt"/>
+                <a:ea typeface="+mn-ea"/>
+                <a:cs typeface="+mn-cs"/>
+              </a:defRPr>
+            </a:lvl9pPr>
+          </a:lstStyle>
+          <a:p>
+            <a:fld id="{A645CD40-335F-473C-AFD9-1A70D1B04167}" type="datetime1">
+              <a:rPr lang="zh-CN" altLang="en-US" smtClean="0"/>
+              <a:pPr/>
+              <a:t>2020/3/7</a:t>
+            </a:fld>
+            <a:endParaRPr lang="zh-CN" altLang="en-US" dirty="0"/>
+          </a:p>
+        </p:txBody>
+      </p:sp>
+      <p:pic>
+        <p:nvPicPr>
+          <p:cNvPr id="2050" name="Picture 2">
+            <a:extLst>
+              <a:ext uri="{FF2B5EF4-FFF2-40B4-BE49-F238E27FC236}">
+                <a16:creationId xmlns:a16="http://schemas.microsoft.com/office/drawing/2014/main" id="{319E11C8-66E6-4328-9C7B-917DA6B40F3E}"/>
+              </a:ext>
+            </a:extLst>
+          </p:cNvPr>
+          <p:cNvPicPr>
+            <a:picLocks noChangeAspect="1" noChangeArrowheads="1"/>
+          </p:cNvPicPr>
+          <p:nvPr/>
+        </p:nvPicPr>
+        <p:blipFill rotWithShape="1">
+          <a:blip r:embed="rId3">
+            <a:extLst>
+              <a:ext uri="{28A0092B-C50C-407E-A947-70E740481C1C}">
+                <a14:useLocalDpi xmlns:a14="http://schemas.microsoft.com/office/drawing/2010/main" val="0"/>
+              </a:ext>
+            </a:extLst>
+          </a:blip>
+          <a:srcRect r="27951" b="56102"/>
+          <a:stretch/>
+        </p:blipFill>
+        <p:spPr bwMode="auto">
+          <a:xfrm>
+            <a:off x="299259" y="3025861"/>
+            <a:ext cx="8545481" cy="2015718"/>
+          </a:xfrm>
+          <a:prstGeom prst="rect">
+            <a:avLst/>
+          </a:prstGeom>
+          <a:noFill/>
+          <a:extLst>
+            <a:ext uri="{909E8E84-426E-40DD-AFC4-6F175D3DCCD1}">
+              <a14:hiddenFill xmlns:a14="http://schemas.microsoft.com/office/drawing/2010/main">
+                <a:solidFill>
+                  <a:srgbClr val="FFFFFF"/>
+                </a:solidFill>
+              </a14:hiddenFill>
+            </a:ext>
+          </a:extLst>
+        </p:spPr>
+      </p:pic>
+    </p:spTree>
+    <p:extLst>
+      <p:ext uri="{BB962C8B-B14F-4D97-AF65-F5344CB8AC3E}">
+        <p14:creationId xmlns:p14="http://schemas.microsoft.com/office/powerpoint/2010/main" val="304690985"/>
+      </p:ext>
+    </p:extLst>
+  </p:cSld>
+  <p:clrMapOvr>
+    <a:masterClrMapping/>
+  </p:clrMapOvr>
+  <p:transition>
+    <p:pull dir="ru"/>
+  </p:transition>
+</p:sld>
+</file>
+
+<file path=ppt/slides/slide11.xml><?xml version="1.0" encoding="utf-8"?>
+<p:sld xmlns:a="http://schemas.openxmlformats.org/drawingml/2006/main" xmlns:r="http://schemas.openxmlformats.org/officeDocument/2006/relationships" xmlns:p="http://schemas.openxmlformats.org/presentationml/2006/main">
+  <p:cSld>
+    <p:spTree>
+      <p:nvGrpSpPr>
+        <p:cNvPr id="1" name=""/>
+        <p:cNvGrpSpPr/>
+        <p:nvPr/>
+      </p:nvGrpSpPr>
+      <p:grpSpPr>
+        <a:xfrm>
+          <a:off x="0" y="0"/>
+          <a:ext cx="0" cy="0"/>
+          <a:chOff x="0" y="0"/>
+          <a:chExt cx="0" cy="0"/>
+        </a:xfrm>
+      </p:grpSpPr>
+      <p:sp>
+        <p:nvSpPr>
+          <p:cNvPr id="12" name="内容占位符 11"/>
+          <p:cNvSpPr>
+            <a:spLocks noGrp="1"/>
+          </p:cNvSpPr>
+          <p:nvPr>
+            <p:ph idx="1"/>
+          </p:nvPr>
+        </p:nvSpPr>
+        <p:spPr>
+          <a:xfrm>
+            <a:off x="566737" y="1643050"/>
+            <a:ext cx="8008937" cy="4714908"/>
+          </a:xfrm>
+        </p:spPr>
+        <p:txBody>
+          <a:bodyPr>
+            <a:normAutofit/>
+          </a:bodyPr>
+          <a:lstStyle/>
+          <a:p>
+            <a:r>
+              <a:rPr lang="en-GB" altLang="zh-CN" sz="2400" dirty="0">
+                <a:effectLst/>
+              </a:rPr>
+              <a:t>Server-upload results to the database</a:t>
+            </a:r>
+          </a:p>
+          <a:p>
+            <a:pPr lvl="1"/>
+            <a:r>
+              <a:rPr lang="en-GB" altLang="zh-CN" sz="2000" dirty="0"/>
+              <a:t>upload result in </a:t>
+            </a:r>
+            <a:r>
+              <a:rPr lang="en-GB" altLang="zh-CN" sz="2000" dirty="0" err="1"/>
+              <a:t>db</a:t>
+            </a:r>
+            <a:r>
+              <a:rPr lang="en-GB" altLang="zh-CN" sz="2000" dirty="0"/>
+              <a:t>(6 indicate is a customeScript type)</a:t>
+            </a:r>
+            <a:endParaRPr lang="en-US" altLang="zh-CN" sz="2000" dirty="0"/>
+          </a:p>
+        </p:txBody>
+      </p:sp>
+      <p:sp>
+        <p:nvSpPr>
+          <p:cNvPr id="9" name="标题 1"/>
+          <p:cNvSpPr>
+            <a:spLocks noGrp="1"/>
+          </p:cNvSpPr>
+          <p:nvPr>
+            <p:ph type="title"/>
+          </p:nvPr>
+        </p:nvSpPr>
+        <p:spPr>
+          <a:xfrm>
+            <a:off x="574675" y="304800"/>
+            <a:ext cx="8001000" cy="820738"/>
+          </a:xfrm>
+        </p:spPr>
+        <p:txBody>
+          <a:bodyPr/>
+          <a:lstStyle/>
+          <a:p>
+            <a:r>
+              <a:rPr lang="en-US" altLang="zh-CN" dirty="0"/>
+              <a:t>Implementation Details</a:t>
+            </a:r>
+            <a:endParaRPr lang="zh-CN" altLang="en-US" dirty="0"/>
+          </a:p>
+        </p:txBody>
+      </p:sp>
+      <p:sp>
+        <p:nvSpPr>
+          <p:cNvPr id="4" name="日期占位符 3"/>
+          <p:cNvSpPr>
+            <a:spLocks noGrp="1"/>
+          </p:cNvSpPr>
+          <p:nvPr>
+            <p:ph type="dt" sz="half" idx="11"/>
+          </p:nvPr>
+        </p:nvSpPr>
+        <p:spPr>
+          <a:xfrm>
+            <a:off x="-1404664" y="6356350"/>
+            <a:ext cx="2133600" cy="365125"/>
+          </a:xfrm>
+          <a:prstGeom prst="rect">
+            <a:avLst/>
+          </a:prstGeom>
+        </p:spPr>
+        <p:txBody>
+          <a:bodyPr/>
+          <a:lstStyle/>
+          <a:p>
+            <a:fld id="{A645CD40-335F-473C-AFD9-1A70D1B04167}" type="datetime1">
+              <a:rPr lang="zh-CN" altLang="en-US" smtClean="0"/>
+              <a:pPr/>
+              <a:t>2020/3/7</a:t>
+            </a:fld>
+            <a:endParaRPr lang="zh-CN" altLang="en-US" dirty="0"/>
+          </a:p>
+        </p:txBody>
+      </p:sp>
+      <p:sp>
+        <p:nvSpPr>
+          <p:cNvPr id="6" name="Rectangle 35"/>
+          <p:cNvSpPr>
+            <a:spLocks noChangeArrowheads="1"/>
+          </p:cNvSpPr>
+          <p:nvPr/>
+        </p:nvSpPr>
+        <p:spPr bwMode="auto">
+          <a:xfrm>
+            <a:off x="0" y="5798434"/>
+            <a:ext cx="9144000" cy="0"/>
+          </a:xfrm>
+          <a:prstGeom prst="rect">
+            <a:avLst/>
+          </a:prstGeom>
+          <a:solidFill>
+            <a:srgbClr val="FFFFFF"/>
+          </a:solidFill>
+          <a:ln>
+            <a:noFill/>
+          </a:ln>
+          <a:effectLst/>
+          <a:extLst>
+            <a:ext uri="{91240B29-F687-4F45-9708-019B960494DF}">
+              <a14:hiddenLine xmlns:a14="http://schemas.microsoft.com/office/drawing/2010/main" w="9525">
+                <a:solidFill>
+                  <a:schemeClr val="tx1"/>
+                </a:solidFill>
+                <a:miter lim="800000"/>
+                <a:headEnd/>
+                <a:tailEnd/>
+              </a14:hiddenLine>
+            </a:ext>
+            <a:ext uri="{AF507438-7753-43E0-B8FC-AC1667EBCBE1}">
+              <a14:hiddenEffects xmlns:a14="http://schemas.microsoft.com/office/drawing/2010/main">
+                <a:effectLst>
+                  <a:outerShdw dist="35921" dir="2700000" algn="ctr" rotWithShape="0">
+                    <a:schemeClr val="bg2"/>
+                  </a:outerShdw>
+                </a:effectLst>
+              </a14:hiddenEffects>
+            </a:ext>
+          </a:extLst>
+        </p:spPr>
+        <p:txBody>
+          <a:bodyPr vert="horz" wrap="none" lIns="91440" tIns="45720" rIns="91440" bIns="45720" numCol="1" anchor="ctr" anchorCtr="0" compatLnSpc="1">
+            <a:prstTxWarp prst="textNoShape">
+              <a:avLst/>
+            </a:prstTxWarp>
+            <a:spAutoFit/>
+          </a:bodyPr>
+          <a:lstStyle/>
+          <a:p>
+            <a:pPr marL="0" marR="0" lvl="0" indent="758825" algn="l" defTabSz="914400" rtl="0" eaLnBrk="0" fontAlgn="base" latinLnBrk="0" hangingPunct="0">
+              <a:lnSpc>
+                <a:spcPct val="100000"/>
+              </a:lnSpc>
+              <a:spcBef>
+                <a:spcPct val="0"/>
+              </a:spcBef>
+              <a:spcAft>
+                <a:spcPct val="0"/>
+              </a:spcAft>
+              <a:buClrTx/>
+              <a:buSzTx/>
+              <a:buFontTx/>
+              <a:buNone/>
+              <a:tabLst/>
+            </a:pPr>
+            <a:r>
+              <a:rPr kumimoji="0" lang="en-US" altLang="zh-CN" sz="1000" b="0" i="0" u="none" strike="noStrike" cap="none" normalizeH="0" baseline="0">
+                <a:ln>
+                  <a:noFill/>
+                </a:ln>
+                <a:solidFill>
+                  <a:schemeClr val="tx1"/>
+                </a:solidFill>
+                <a:effectLst/>
+                <a:latin typeface="Arial" panose="020B0604020202020204" pitchFamily="34" charset="0"/>
+                <a:ea typeface="楷体_GB2312" charset="-122"/>
+                <a:cs typeface="Times New Roman" panose="02020603050405020304" pitchFamily="18" charset="0"/>
+              </a:rPr>
+              <a:t> </a:t>
+            </a:r>
+            <a:endParaRPr kumimoji="0" lang="en-US" altLang="zh-CN" sz="1800" b="0" i="0" u="none" strike="noStrike" cap="none" normalizeH="0" baseline="0">
+              <a:ln>
+                <a:noFill/>
+              </a:ln>
+              <a:solidFill>
+                <a:schemeClr val="tx1"/>
+              </a:solidFill>
+              <a:effectLst/>
+              <a:latin typeface="Arial" panose="020B0604020202020204" pitchFamily="34" charset="0"/>
+            </a:endParaRPr>
+          </a:p>
+        </p:txBody>
+      </p:sp>
+      <p:sp>
+        <p:nvSpPr>
+          <p:cNvPr id="11" name="日期占位符 3"/>
+          <p:cNvSpPr txBox="1">
+            <a:spLocks/>
+          </p:cNvSpPr>
+          <p:nvPr/>
+        </p:nvSpPr>
+        <p:spPr>
+          <a:xfrm>
+            <a:off x="-1404664" y="6356350"/>
+            <a:ext cx="2133600" cy="365125"/>
+          </a:xfrm>
+          <a:prstGeom prst="rect">
+            <a:avLst/>
+          </a:prstGeom>
+        </p:spPr>
+        <p:txBody>
+          <a:bodyPr vert="horz" lIns="91440" tIns="45720" rIns="91440" bIns="45720" rtlCol="0" anchor="ctr"/>
+          <a:lstStyle>
+            <a:defPPr>
+              <a:defRPr lang="zh-CN"/>
+            </a:defPPr>
+            <a:lvl1pPr marL="0" algn="l" defTabSz="914400" rtl="0" eaLnBrk="1" latinLnBrk="0" hangingPunct="1">
+              <a:defRPr sz="1200" kern="1200">
+                <a:solidFill>
+                  <a:schemeClr val="tx1">
+                    <a:tint val="75000"/>
+                  </a:schemeClr>
+                </a:solidFill>
+                <a:latin typeface="+mn-lt"/>
+                <a:ea typeface="+mn-ea"/>
+                <a:cs typeface="+mn-cs"/>
+              </a:defRPr>
+            </a:lvl1pPr>
+            <a:lvl2pPr marL="457200" algn="l" defTabSz="914400" rtl="0" eaLnBrk="1" latinLnBrk="0" hangingPunct="1">
+              <a:defRPr sz="1800" kern="1200">
+                <a:solidFill>
+                  <a:schemeClr val="tx1"/>
+                </a:solidFill>
+                <a:latin typeface="+mn-lt"/>
+                <a:ea typeface="+mn-ea"/>
+                <a:cs typeface="+mn-cs"/>
+              </a:defRPr>
+            </a:lvl2pPr>
+            <a:lvl3pPr marL="914400" algn="l" defTabSz="914400" rtl="0" eaLnBrk="1" latinLnBrk="0" hangingPunct="1">
+              <a:defRPr sz="1800" kern="1200">
+                <a:solidFill>
+                  <a:schemeClr val="tx1"/>
+                </a:solidFill>
+                <a:latin typeface="+mn-lt"/>
+                <a:ea typeface="+mn-ea"/>
+                <a:cs typeface="+mn-cs"/>
+              </a:defRPr>
+            </a:lvl3pPr>
+            <a:lvl4pPr marL="1371600" algn="l" defTabSz="914400" rtl="0" eaLnBrk="1" latinLnBrk="0" hangingPunct="1">
+              <a:defRPr sz="1800" kern="1200">
+                <a:solidFill>
+                  <a:schemeClr val="tx1"/>
+                </a:solidFill>
+                <a:latin typeface="+mn-lt"/>
+                <a:ea typeface="+mn-ea"/>
+                <a:cs typeface="+mn-cs"/>
+              </a:defRPr>
+            </a:lvl4pPr>
+            <a:lvl5pPr marL="1828800" algn="l" defTabSz="914400" rtl="0" eaLnBrk="1" latinLnBrk="0" hangingPunct="1">
+              <a:defRPr sz="1800" kern="1200">
+                <a:solidFill>
+                  <a:schemeClr val="tx1"/>
+                </a:solidFill>
+                <a:latin typeface="+mn-lt"/>
+                <a:ea typeface="+mn-ea"/>
+                <a:cs typeface="+mn-cs"/>
+              </a:defRPr>
+            </a:lvl5pPr>
+            <a:lvl6pPr marL="2286000" algn="l" defTabSz="914400" rtl="0" eaLnBrk="1" latinLnBrk="0" hangingPunct="1">
+              <a:defRPr sz="1800" kern="1200">
+                <a:solidFill>
+                  <a:schemeClr val="tx1"/>
+                </a:solidFill>
+                <a:latin typeface="+mn-lt"/>
+                <a:ea typeface="+mn-ea"/>
+                <a:cs typeface="+mn-cs"/>
+              </a:defRPr>
+            </a:lvl6pPr>
+            <a:lvl7pPr marL="2743200" algn="l" defTabSz="914400" rtl="0" eaLnBrk="1" latinLnBrk="0" hangingPunct="1">
+              <a:defRPr sz="1800" kern="1200">
+                <a:solidFill>
+                  <a:schemeClr val="tx1"/>
+                </a:solidFill>
+                <a:latin typeface="+mn-lt"/>
+                <a:ea typeface="+mn-ea"/>
+                <a:cs typeface="+mn-cs"/>
+              </a:defRPr>
+            </a:lvl7pPr>
+            <a:lvl8pPr marL="3200400" algn="l" defTabSz="914400" rtl="0" eaLnBrk="1" latinLnBrk="0" hangingPunct="1">
+              <a:defRPr sz="1800" kern="1200">
+                <a:solidFill>
+                  <a:schemeClr val="tx1"/>
+                </a:solidFill>
+                <a:latin typeface="+mn-lt"/>
+                <a:ea typeface="+mn-ea"/>
+                <a:cs typeface="+mn-cs"/>
+              </a:defRPr>
+            </a:lvl8pPr>
+            <a:lvl9pPr marL="3657600" algn="l" defTabSz="914400" rtl="0" eaLnBrk="1" latinLnBrk="0" hangingPunct="1">
+              <a:defRPr sz="1800" kern="1200">
+                <a:solidFill>
+                  <a:schemeClr val="tx1"/>
+                </a:solidFill>
+                <a:latin typeface="+mn-lt"/>
+                <a:ea typeface="+mn-ea"/>
+                <a:cs typeface="+mn-cs"/>
+              </a:defRPr>
+            </a:lvl9pPr>
+          </a:lstStyle>
+          <a:p>
+            <a:fld id="{A645CD40-335F-473C-AFD9-1A70D1B04167}" type="datetime1">
+              <a:rPr lang="zh-CN" altLang="en-US" smtClean="0"/>
+              <a:pPr/>
+              <a:t>2020/3/7</a:t>
+            </a:fld>
+            <a:endParaRPr lang="zh-CN" altLang="en-US" dirty="0"/>
+          </a:p>
+        </p:txBody>
+      </p:sp>
+      <p:pic>
+        <p:nvPicPr>
+          <p:cNvPr id="2" name="图片 1">
+            <a:extLst>
+              <a:ext uri="{FF2B5EF4-FFF2-40B4-BE49-F238E27FC236}">
+                <a16:creationId xmlns:a16="http://schemas.microsoft.com/office/drawing/2014/main" id="{4F3A0066-5155-447E-AF95-470CA234FE9A}"/>
+              </a:ext>
+            </a:extLst>
+          </p:cNvPr>
+          <p:cNvPicPr>
+            <a:picLocks noChangeAspect="1"/>
+          </p:cNvPicPr>
+          <p:nvPr/>
+        </p:nvPicPr>
+        <p:blipFill rotWithShape="1">
+          <a:blip r:embed="rId3"/>
+          <a:srcRect r="5113" b="25674"/>
+          <a:stretch/>
+        </p:blipFill>
+        <p:spPr>
+          <a:xfrm>
+            <a:off x="0" y="2926692"/>
+            <a:ext cx="9144000" cy="2782407"/>
+          </a:xfrm>
+          <a:prstGeom prst="rect">
+            <a:avLst/>
+          </a:prstGeom>
+        </p:spPr>
+      </p:pic>
+    </p:spTree>
+    <p:extLst>
+      <p:ext uri="{BB962C8B-B14F-4D97-AF65-F5344CB8AC3E}">
+        <p14:creationId xmlns:p14="http://schemas.microsoft.com/office/powerpoint/2010/main" val="3886849919"/>
+      </p:ext>
+    </p:extLst>
+  </p:cSld>
+  <p:clrMapOvr>
+    <a:masterClrMapping/>
+  </p:clrMapOvr>
+  <p:transition>
+    <p:pull dir="ru"/>
+  </p:transition>
+</p:sld>
+</file>
+
+<file path=ppt/slides/slide12.xml><?xml version="1.0" encoding="utf-8"?>
+<p:sld xmlns:a="http://schemas.openxmlformats.org/drawingml/2006/main" xmlns:r="http://schemas.openxmlformats.org/officeDocument/2006/relationships" xmlns:p="http://schemas.openxmlformats.org/presentationml/2006/main">
+  <p:cSld>
+    <p:spTree>
+      <p:nvGrpSpPr>
+        <p:cNvPr id="1" name=""/>
+        <p:cNvGrpSpPr/>
+        <p:nvPr/>
+      </p:nvGrpSpPr>
+      <p:grpSpPr>
+        <a:xfrm>
+          <a:off x="0" y="0"/>
+          <a:ext cx="0" cy="0"/>
+          <a:chOff x="0" y="0"/>
+          <a:chExt cx="0" cy="0"/>
+        </a:xfrm>
+      </p:grpSpPr>
+      <p:sp>
+        <p:nvSpPr>
+          <p:cNvPr id="9" name="标题 1"/>
+          <p:cNvSpPr>
+            <a:spLocks noGrp="1"/>
+          </p:cNvSpPr>
+          <p:nvPr>
+            <p:ph type="title"/>
+          </p:nvPr>
+        </p:nvSpPr>
+        <p:spPr>
+          <a:xfrm>
+            <a:off x="574675" y="304800"/>
+            <a:ext cx="8001000" cy="820738"/>
+          </a:xfrm>
+        </p:spPr>
+        <p:txBody>
+          <a:bodyPr/>
+          <a:lstStyle/>
+          <a:p>
+            <a:r>
+              <a:rPr lang="en-US" altLang="zh-CN" dirty="0"/>
+              <a:t>PR Summary</a:t>
+            </a:r>
+            <a:endParaRPr lang="zh-CN" altLang="en-US" dirty="0"/>
+          </a:p>
+        </p:txBody>
+      </p:sp>
+      <p:sp>
+        <p:nvSpPr>
+          <p:cNvPr id="4" name="日期占位符 3"/>
+          <p:cNvSpPr>
+            <a:spLocks noGrp="1"/>
+          </p:cNvSpPr>
+          <p:nvPr>
+            <p:ph type="dt" sz="half" idx="11"/>
+          </p:nvPr>
+        </p:nvSpPr>
+        <p:spPr>
+          <a:xfrm>
+            <a:off x="0" y="6356350"/>
+            <a:ext cx="2133600" cy="365125"/>
+          </a:xfrm>
+          <a:prstGeom prst="rect">
+            <a:avLst/>
+          </a:prstGeom>
+        </p:spPr>
+        <p:txBody>
+          <a:bodyPr/>
+          <a:lstStyle/>
+          <a:p>
+            <a:fld id="{A645CD40-335F-473C-AFD9-1A70D1B04167}" type="datetime1">
+              <a:rPr lang="zh-CN" altLang="en-US" smtClean="0"/>
+              <a:pPr/>
+              <a:t>2020/3/7</a:t>
+            </a:fld>
+            <a:endParaRPr lang="zh-CN" altLang="en-US" dirty="0"/>
+          </a:p>
+        </p:txBody>
+      </p:sp>
+      <p:pic>
+        <p:nvPicPr>
+          <p:cNvPr id="6" name="内容占位符 5">
+            <a:extLst>
+              <a:ext uri="{FF2B5EF4-FFF2-40B4-BE49-F238E27FC236}">
+                <a16:creationId xmlns:a16="http://schemas.microsoft.com/office/drawing/2014/main" id="{9D4D8AAF-2149-49F4-A3F0-D6813F5980F2}"/>
+              </a:ext>
+            </a:extLst>
+          </p:cNvPr>
+          <p:cNvPicPr>
+            <a:picLocks noGrp="1" noChangeAspect="1"/>
+          </p:cNvPicPr>
+          <p:nvPr>
+            <p:ph idx="1"/>
+          </p:nvPr>
+        </p:nvPicPr>
+        <p:blipFill rotWithShape="1">
+          <a:blip r:embed="rId3"/>
+          <a:srcRect b="60686"/>
+          <a:stretch/>
+        </p:blipFill>
+        <p:spPr>
+          <a:xfrm>
+            <a:off x="2164862" y="1375741"/>
+            <a:ext cx="4789846" cy="5343103"/>
+          </a:xfrm>
+          <a:prstGeom prst="rect">
+            <a:avLst/>
+          </a:prstGeom>
+        </p:spPr>
+      </p:pic>
+      <p:sp>
+        <p:nvSpPr>
+          <p:cNvPr id="5" name="AutoShape 2" descr="screencapture-github-chouchouyu-django-postgres-stack-commits-wsm-2020-03-04-21_59_12">
+            <a:extLst>
+              <a:ext uri="{FF2B5EF4-FFF2-40B4-BE49-F238E27FC236}">
+                <a16:creationId xmlns:a16="http://schemas.microsoft.com/office/drawing/2014/main" id="{373D6A45-6A71-4DED-B0E5-FC6C256412E2}"/>
+              </a:ext>
+            </a:extLst>
+          </p:cNvPr>
+          <p:cNvSpPr>
+            <a:spLocks noChangeAspect="1" noChangeArrowheads="1"/>
+          </p:cNvSpPr>
+          <p:nvPr/>
+        </p:nvSpPr>
+        <p:spPr bwMode="auto">
+          <a:xfrm>
+            <a:off x="4419600" y="3276600"/>
+            <a:ext cx="304800" cy="304800"/>
+          </a:xfrm>
+          <a:prstGeom prst="rect">
+            <a:avLst/>
+          </a:prstGeom>
+          <a:noFill/>
+          <a:extLst>
+            <a:ext uri="{909E8E84-426E-40DD-AFC4-6F175D3DCCD1}">
+              <a14:hiddenFill xmlns:a14="http://schemas.microsoft.com/office/drawing/2010/main">
+                <a:solidFill>
+                  <a:srgbClr val="FFFFFF"/>
+                </a:solidFill>
+              </a14:hiddenFill>
+            </a:ext>
+          </a:extLst>
+        </p:spPr>
+        <p:txBody>
+          <a:bodyPr vert="horz" wrap="square" lIns="91440" tIns="45720" rIns="91440" bIns="45720" numCol="1" anchor="t" anchorCtr="0" compatLnSpc="1">
+            <a:prstTxWarp prst="textNoShape">
+              <a:avLst/>
+            </a:prstTxWarp>
+          </a:bodyPr>
+          <a:lstStyle/>
+          <a:p>
+            <a:endParaRPr lang="en-GB"/>
+          </a:p>
+        </p:txBody>
+      </p:sp>
+    </p:spTree>
+    <p:extLst>
+      <p:ext uri="{BB962C8B-B14F-4D97-AF65-F5344CB8AC3E}">
+        <p14:creationId xmlns:p14="http://schemas.microsoft.com/office/powerpoint/2010/main" val="1076954391"/>
+      </p:ext>
+    </p:extLst>
+  </p:cSld>
+  <p:clrMapOvr>
+    <a:masterClrMapping/>
+  </p:clrMapOvr>
+  <p:transition>
+    <p:pull dir="ru"/>
+  </p:transition>
+</p:sld>
+</file>
+
+<file path=ppt/slides/slide13.xml><?xml version="1.0" encoding="utf-8"?>
+<p:sld xmlns:a="http://schemas.openxmlformats.org/drawingml/2006/main" xmlns:r="http://schemas.openxmlformats.org/officeDocument/2006/relationships" xmlns:p="http://schemas.openxmlformats.org/presentationml/2006/main">
+  <p:cSld>
+    <p:spTree>
+      <p:nvGrpSpPr>
+        <p:cNvPr id="1" name=""/>
+        <p:cNvGrpSpPr/>
+        <p:nvPr/>
+      </p:nvGrpSpPr>
+      <p:grpSpPr>
+        <a:xfrm>
+          <a:off x="0" y="0"/>
+          <a:ext cx="0" cy="0"/>
+          <a:chOff x="0" y="0"/>
+          <a:chExt cx="0" cy="0"/>
+        </a:xfrm>
+      </p:grpSpPr>
+      <p:sp>
+        <p:nvSpPr>
+          <p:cNvPr id="9" name="标题 1"/>
+          <p:cNvSpPr>
+            <a:spLocks noGrp="1"/>
+          </p:cNvSpPr>
+          <p:nvPr>
+            <p:ph type="title"/>
+          </p:nvPr>
+        </p:nvSpPr>
+        <p:spPr>
+          <a:xfrm>
+            <a:off x="574675" y="304800"/>
+            <a:ext cx="8001000" cy="820738"/>
+          </a:xfrm>
+        </p:spPr>
+        <p:txBody>
+          <a:bodyPr/>
+          <a:lstStyle/>
+          <a:p>
+            <a:r>
+              <a:rPr lang="en-US" altLang="zh-CN" dirty="0"/>
+              <a:t>PR Summary</a:t>
+            </a:r>
+            <a:endParaRPr lang="zh-CN" altLang="en-US" dirty="0"/>
+          </a:p>
+        </p:txBody>
+      </p:sp>
+      <p:sp>
+        <p:nvSpPr>
+          <p:cNvPr id="4" name="日期占位符 3"/>
+          <p:cNvSpPr>
+            <a:spLocks noGrp="1"/>
+          </p:cNvSpPr>
+          <p:nvPr>
+            <p:ph type="dt" sz="half" idx="11"/>
+          </p:nvPr>
+        </p:nvSpPr>
+        <p:spPr>
+          <a:xfrm>
+            <a:off x="0" y="6356350"/>
+            <a:ext cx="2133600" cy="365125"/>
+          </a:xfrm>
+          <a:prstGeom prst="rect">
+            <a:avLst/>
+          </a:prstGeom>
+        </p:spPr>
+        <p:txBody>
+          <a:bodyPr/>
+          <a:lstStyle/>
+          <a:p>
+            <a:fld id="{A645CD40-335F-473C-AFD9-1A70D1B04167}" type="datetime1">
+              <a:rPr lang="zh-CN" altLang="en-US" smtClean="0"/>
+              <a:pPr/>
+              <a:t>2020/3/7</a:t>
+            </a:fld>
+            <a:endParaRPr lang="zh-CN" altLang="en-US" dirty="0"/>
+          </a:p>
+        </p:txBody>
+      </p:sp>
+      <p:pic>
+        <p:nvPicPr>
+          <p:cNvPr id="6" name="内容占位符 5">
+            <a:extLst>
+              <a:ext uri="{FF2B5EF4-FFF2-40B4-BE49-F238E27FC236}">
+                <a16:creationId xmlns:a16="http://schemas.microsoft.com/office/drawing/2014/main" id="{9D4D8AAF-2149-49F4-A3F0-D6813F5980F2}"/>
+              </a:ext>
+            </a:extLst>
+          </p:cNvPr>
+          <p:cNvPicPr>
+            <a:picLocks noGrp="1" noChangeAspect="1"/>
+          </p:cNvPicPr>
+          <p:nvPr>
+            <p:ph idx="1"/>
+          </p:nvPr>
+        </p:nvPicPr>
+        <p:blipFill rotWithShape="1">
+          <a:blip r:embed="rId3"/>
+          <a:srcRect t="39911" b="6945"/>
+          <a:stretch/>
+        </p:blipFill>
+        <p:spPr>
+          <a:xfrm>
+            <a:off x="4067943" y="20355"/>
+            <a:ext cx="4501381" cy="6787793"/>
+          </a:xfrm>
+          <a:prstGeom prst="rect">
+            <a:avLst/>
+          </a:prstGeom>
+        </p:spPr>
+      </p:pic>
+      <p:sp>
+        <p:nvSpPr>
+          <p:cNvPr id="5" name="AutoShape 2" descr="screencapture-github-chouchouyu-django-postgres-stack-commits-wsm-2020-03-04-21_59_12">
+            <a:extLst>
+              <a:ext uri="{FF2B5EF4-FFF2-40B4-BE49-F238E27FC236}">
+                <a16:creationId xmlns:a16="http://schemas.microsoft.com/office/drawing/2014/main" id="{373D6A45-6A71-4DED-B0E5-FC6C256412E2}"/>
+              </a:ext>
+            </a:extLst>
+          </p:cNvPr>
+          <p:cNvSpPr>
+            <a:spLocks noChangeAspect="1" noChangeArrowheads="1"/>
+          </p:cNvSpPr>
+          <p:nvPr/>
+        </p:nvSpPr>
+        <p:spPr bwMode="auto">
+          <a:xfrm>
+            <a:off x="4419600" y="3276600"/>
+            <a:ext cx="304800" cy="304800"/>
+          </a:xfrm>
+          <a:prstGeom prst="rect">
+            <a:avLst/>
+          </a:prstGeom>
+          <a:noFill/>
+          <a:extLst>
+            <a:ext uri="{909E8E84-426E-40DD-AFC4-6F175D3DCCD1}">
+              <a14:hiddenFill xmlns:a14="http://schemas.microsoft.com/office/drawing/2010/main">
+                <a:solidFill>
+                  <a:srgbClr val="FFFFFF"/>
+                </a:solidFill>
+              </a14:hiddenFill>
+            </a:ext>
+          </a:extLst>
+        </p:spPr>
+        <p:txBody>
+          <a:bodyPr vert="horz" wrap="square" lIns="91440" tIns="45720" rIns="91440" bIns="45720" numCol="1" anchor="t" anchorCtr="0" compatLnSpc="1">
+            <a:prstTxWarp prst="textNoShape">
+              <a:avLst/>
+            </a:prstTxWarp>
+          </a:bodyPr>
+          <a:lstStyle/>
+          <a:p>
+            <a:endParaRPr lang="en-GB"/>
+          </a:p>
+        </p:txBody>
+      </p:sp>
+    </p:spTree>
+    <p:extLst>
+      <p:ext uri="{BB962C8B-B14F-4D97-AF65-F5344CB8AC3E}">
+        <p14:creationId xmlns:p14="http://schemas.microsoft.com/office/powerpoint/2010/main" val="23520105"/>
+      </p:ext>
+    </p:extLst>
+  </p:cSld>
+  <p:clrMapOvr>
+    <a:masterClrMapping/>
+  </p:clrMapOvr>
+  <p:transition>
+    <p:pull dir="ru"/>
+  </p:transition>
+</p:sld>
+</file>
+
+<file path=ppt/slides/slide14.xml><?xml version="1.0" encoding="utf-8"?>
+<p:sld xmlns:a="http://schemas.openxmlformats.org/drawingml/2006/main" xmlns:r="http://schemas.openxmlformats.org/officeDocument/2006/relationships" xmlns:p="http://schemas.openxmlformats.org/presentationml/2006/main">
+  <p:cSld>
+    <p:spTree>
+      <p:nvGrpSpPr>
+        <p:cNvPr id="1" name=""/>
+        <p:cNvGrpSpPr/>
+        <p:nvPr/>
+      </p:nvGrpSpPr>
+      <p:grpSpPr>
+        <a:xfrm>
+          <a:off x="0" y="0"/>
+          <a:ext cx="0" cy="0"/>
+          <a:chOff x="0" y="0"/>
+          <a:chExt cx="0" cy="0"/>
+        </a:xfrm>
+      </p:grpSpPr>
+      <p:sp>
+        <p:nvSpPr>
+          <p:cNvPr id="12" name="内容占位符 11"/>
+          <p:cNvSpPr>
+            <a:spLocks noGrp="1"/>
+          </p:cNvSpPr>
+          <p:nvPr>
+            <p:ph idx="1"/>
+          </p:nvPr>
+        </p:nvSpPr>
+        <p:spPr>
+          <a:xfrm>
+            <a:off x="566737" y="1643050"/>
+            <a:ext cx="8008937" cy="4714908"/>
+          </a:xfrm>
+        </p:spPr>
+        <p:txBody>
+          <a:bodyPr>
+            <a:normAutofit/>
+          </a:bodyPr>
+          <a:lstStyle/>
+          <a:p>
+            <a:r>
+              <a:rPr lang="en-US" dirty="0">
+                <a:effectLst/>
+              </a:rPr>
+              <a:t>add GUI for command line for environment setups</a:t>
+            </a:r>
+            <a:endParaRPr lang="en-GB" dirty="0">
+              <a:effectLst/>
+            </a:endParaRPr>
+          </a:p>
+          <a:p>
+            <a:endParaRPr lang="en-US" altLang="zh-CN" sz="2000" dirty="0"/>
+          </a:p>
+        </p:txBody>
+      </p:sp>
+      <p:sp>
+        <p:nvSpPr>
+          <p:cNvPr id="9" name="标题 1"/>
+          <p:cNvSpPr>
+            <a:spLocks noGrp="1"/>
+          </p:cNvSpPr>
+          <p:nvPr>
+            <p:ph type="title"/>
+          </p:nvPr>
+        </p:nvSpPr>
+        <p:spPr>
+          <a:xfrm>
+            <a:off x="574675" y="304800"/>
+            <a:ext cx="8001000" cy="820738"/>
+          </a:xfrm>
+        </p:spPr>
+        <p:txBody>
+          <a:bodyPr/>
+          <a:lstStyle/>
+          <a:p>
+            <a:r>
+              <a:rPr lang="en-US" altLang="zh-CN" dirty="0"/>
+              <a:t>Future Work</a:t>
+            </a:r>
+            <a:endParaRPr lang="zh-CN" altLang="en-US" dirty="0"/>
+          </a:p>
+        </p:txBody>
+      </p:sp>
+      <p:sp>
+        <p:nvSpPr>
+          <p:cNvPr id="4" name="日期占位符 3"/>
+          <p:cNvSpPr>
+            <a:spLocks noGrp="1"/>
+          </p:cNvSpPr>
+          <p:nvPr>
+            <p:ph type="dt" sz="half" idx="11"/>
+          </p:nvPr>
+        </p:nvSpPr>
+        <p:spPr>
+          <a:xfrm>
+            <a:off x="0" y="6356350"/>
+            <a:ext cx="2133600" cy="365125"/>
+          </a:xfrm>
+          <a:prstGeom prst="rect">
+            <a:avLst/>
+          </a:prstGeom>
+        </p:spPr>
+        <p:txBody>
+          <a:bodyPr/>
+          <a:lstStyle/>
+          <a:p>
+            <a:fld id="{A645CD40-335F-473C-AFD9-1A70D1B04167}" type="datetime1">
+              <a:rPr lang="zh-CN" altLang="en-US" smtClean="0"/>
+              <a:pPr/>
+              <a:t>2020/3/7</a:t>
+            </a:fld>
+            <a:endParaRPr lang="zh-CN" altLang="en-US" dirty="0"/>
+          </a:p>
+        </p:txBody>
+      </p:sp>
+    </p:spTree>
+    <p:extLst>
+      <p:ext uri="{BB962C8B-B14F-4D97-AF65-F5344CB8AC3E}">
+        <p14:creationId xmlns:p14="http://schemas.microsoft.com/office/powerpoint/2010/main" val="1674863032"/>
+      </p:ext>
+    </p:extLst>
+  </p:cSld>
+  <p:clrMapOvr>
+    <a:masterClrMapping/>
+  </p:clrMapOvr>
+  <p:transition>
+    <p:pull dir="ru"/>
+  </p:transition>
+</p:sld>
+</file>
+
+<file path=ppt/slides/slide15.xml><?xml version="1.0" encoding="utf-8"?>
+<p:sld xmlns:a="http://schemas.openxmlformats.org/drawingml/2006/main" xmlns:r="http://schemas.openxmlformats.org/officeDocument/2006/relationships" xmlns:p="http://schemas.openxmlformats.org/presentationml/2006/main">
+  <p:cSld>
+    <p:spTree>
+      <p:nvGrpSpPr>
+        <p:cNvPr id="1" name=""/>
+        <p:cNvGrpSpPr/>
+        <p:nvPr/>
+      </p:nvGrpSpPr>
+      <p:grpSpPr>
+        <a:xfrm>
+          <a:off x="0" y="0"/>
+          <a:ext cx="0" cy="0"/>
+          <a:chOff x="0" y="0"/>
+          <a:chExt cx="0" cy="0"/>
+        </a:xfrm>
+      </p:grpSpPr>
+      <p:sp>
+        <p:nvSpPr>
+          <p:cNvPr id="8" name="标题 1"/>
+          <p:cNvSpPr txBox="1">
+            <a:spLocks/>
+          </p:cNvSpPr>
+          <p:nvPr/>
+        </p:nvSpPr>
+        <p:spPr>
+          <a:xfrm>
+            <a:off x="323528" y="2348880"/>
+            <a:ext cx="8229600" cy="777875"/>
+          </a:xfrm>
+          <a:prstGeom prst="rect">
+            <a:avLst/>
+          </a:prstGeom>
+        </p:spPr>
+        <p:txBody>
+          <a:bodyPr vert="horz" lIns="91440" tIns="45720" rIns="91440" bIns="45720" rtlCol="0" anchor="ctr">
+            <a:normAutofit/>
+          </a:bodyPr>
+          <a:lstStyle>
+            <a:lvl1pPr algn="ctr" defTabSz="914400" rtl="0" eaLnBrk="1" latinLnBrk="0" hangingPunct="1">
+              <a:spcBef>
+                <a:spcPct val="0"/>
+              </a:spcBef>
+              <a:buNone/>
+              <a:defRPr sz="3600" b="0" kern="1200">
+                <a:solidFill>
+                  <a:schemeClr val="tx1"/>
+                </a:solidFill>
+                <a:latin typeface="黑体" pitchFamily="2" charset="-122"/>
+                <a:ea typeface="黑体" pitchFamily="2" charset="-122"/>
+                <a:cs typeface="+mj-cs"/>
+              </a:defRPr>
+            </a:lvl1pPr>
+          </a:lstStyle>
+          <a:p>
+            <a:r>
+              <a:rPr lang="en-US" altLang="zh-CN" b="1" dirty="0">
+                <a:latin typeface="Trebuchet MS" pitchFamily="34" charset="0"/>
+                <a:ea typeface="黑体" pitchFamily="49" charset="-122"/>
+                <a:cs typeface="Tahoma" pitchFamily="34" charset="0"/>
+              </a:rPr>
+              <a:t>Thank you for your attention!</a:t>
+            </a:r>
+          </a:p>
+        </p:txBody>
+      </p:sp>
+      <p:sp>
+        <p:nvSpPr>
+          <p:cNvPr id="3" name="矩形 2"/>
+          <p:cNvSpPr/>
+          <p:nvPr/>
+        </p:nvSpPr>
+        <p:spPr>
+          <a:xfrm>
+            <a:off x="2430227" y="3284984"/>
+            <a:ext cx="4283545" cy="769441"/>
+          </a:xfrm>
+          <a:prstGeom prst="rect">
+            <a:avLst/>
+          </a:prstGeom>
+        </p:spPr>
+        <p:txBody>
+          <a:bodyPr wrap="none">
+            <a:spAutoFit/>
+          </a:bodyPr>
+          <a:lstStyle/>
+          <a:p>
+            <a:r>
+              <a:rPr lang="en-US" altLang="zh-CN" sz="4400" b="1" dirty="0">
+                <a:latin typeface="Trebuchet MS" pitchFamily="34" charset="0"/>
+                <a:ea typeface="黑体" pitchFamily="49" charset="-122"/>
+                <a:cs typeface="Tahoma" pitchFamily="34" charset="0"/>
+              </a:rPr>
+              <a:t>Any questions ?</a:t>
+            </a:r>
+            <a:endParaRPr lang="zh-CN" altLang="en-US" sz="4400" b="1" dirty="0">
+              <a:latin typeface="Trebuchet MS" pitchFamily="34" charset="0"/>
+              <a:ea typeface="黑体" pitchFamily="49" charset="-122"/>
+              <a:cs typeface="Tahoma" pitchFamily="34" charset="0"/>
+            </a:endParaRPr>
+          </a:p>
+        </p:txBody>
+      </p:sp>
+    </p:spTree>
+    <p:extLst>
+      <p:ext uri="{BB962C8B-B14F-4D97-AF65-F5344CB8AC3E}">
+        <p14:creationId xmlns:p14="http://schemas.microsoft.com/office/powerpoint/2010/main" val="530510486"/>
+      </p:ext>
+    </p:extLst>
+  </p:cSld>
+  <p:clrMapOvr>
+    <a:masterClrMapping/>
+  </p:clrMapOvr>
+  <p:transition>
+    <p:pull dir="ru"/>
+  </p:transition>
 </p:sld>
 </file>
 
@@ -4294,12 +6423,6 @@
             <a:r>
               <a:rPr lang="en-US" altLang="zh-CN" dirty="0"/>
               <a:t>Implementation Details</a:t>
-            </a:r>
-          </a:p>
-          <a:p>
-            <a:r>
-              <a:rPr lang="en-US" altLang="zh-CN" dirty="0"/>
-              <a:t>PR Summary</a:t>
             </a:r>
           </a:p>
           <a:p>
@@ -4496,7 +6619,7 @@
             <a:fld id="{A645CD40-335F-473C-AFD9-1A70D1B04167}" type="datetime1">
               <a:rPr lang="zh-CN" altLang="en-US" smtClean="0"/>
               <a:pPr/>
-              <a:t>2020/3/6</a:t>
+              <a:t>2020/3/7</a:t>
             </a:fld>
             <a:endParaRPr lang="zh-CN" altLang="en-US" dirty="0"/>
           </a:p>
@@ -4894,52 +7017,59 @@
           <a:lstStyle/>
           <a:p>
             <a:r>
-              <a:rPr lang="en-US" altLang="zh-CN" sz="2400" dirty="0">
-                <a:effectLst/>
-              </a:rPr>
-              <a:t>Client-</a:t>
-            </a:r>
-            <a:r>
-              <a:rPr lang="en-GB" altLang="zh-CN" sz="2400" dirty="0">
-                <a:effectLst/>
-              </a:rPr>
-              <a:t>Set the customized parameters(Eric)</a:t>
-            </a:r>
-          </a:p>
-          <a:p>
-            <a:r>
-              <a:rPr lang="en-US" altLang="zh-CN" sz="2400" dirty="0">
-                <a:effectLst/>
-              </a:rPr>
-              <a:t>Client-Configure custom scripts(Susan)</a:t>
-            </a:r>
-          </a:p>
-          <a:p>
-            <a:r>
-              <a:rPr lang="en-GB" altLang="zh-CN" sz="2400" dirty="0">
-                <a:effectLst/>
-              </a:rPr>
-              <a:t>Server-upload results to the database(Chloe)</a:t>
-            </a:r>
-            <a:endParaRPr lang="en-US" altLang="zh-CN" sz="2400" dirty="0">
-              <a:effectLst/>
-            </a:endParaRPr>
-          </a:p>
-          <a:p>
-            <a:endParaRPr lang="en-GB" altLang="zh-CN" sz="2400" dirty="0">
-              <a:effectLst/>
-            </a:endParaRPr>
-          </a:p>
-          <a:p>
-            <a:endParaRPr lang="en-US" altLang="zh-CN" sz="2400" dirty="0">
-              <a:effectLst/>
-            </a:endParaRPr>
-          </a:p>
-          <a:p>
-            <a:pPr marL="471487" lvl="1" indent="0">
-              <a:buNone/>
-            </a:pPr>
-            <a:endParaRPr lang="en-US" altLang="zh-CN" sz="2000" dirty="0"/>
+              <a:rPr lang="en-GB" altLang="zh-CN" sz="2400" kern="1200" dirty="0"/>
+              <a:t>Set the customized performance tests parameters</a:t>
+            </a:r>
+          </a:p>
+          <a:p>
+            <a:pPr lvl="1"/>
+            <a:r>
+              <a:rPr lang="en-GB" altLang="zh-CN" sz="2000" kern="1200" dirty="0"/>
+              <a:t>1. Eric</a:t>
+            </a:r>
+            <a:r>
+              <a:rPr lang="zh-CN" altLang="en-GB" sz="2000" kern="1200" dirty="0"/>
+              <a:t>？</a:t>
+            </a:r>
+            <a:r>
+              <a:rPr lang="en-GB" altLang="zh-CN" sz="2000" kern="1200" dirty="0"/>
+              <a:t>??</a:t>
+            </a:r>
+          </a:p>
+          <a:p>
+            <a:endParaRPr lang="en-GB" altLang="zh-CN" sz="2400" kern="1200" dirty="0"/>
+          </a:p>
+          <a:p>
+            <a:r>
+              <a:rPr lang="en-GB" altLang="zh-CN" sz="2400" kern="1200" dirty="0"/>
+              <a:t>configure custom scripts</a:t>
+            </a:r>
+          </a:p>
+          <a:p>
+            <a:pPr lvl="1"/>
+            <a:r>
+              <a:rPr lang="en-GB" altLang="zh-CN" sz="2000" kern="1200" dirty="0"/>
+              <a:t>1. set up custom scripts root folder </a:t>
+            </a:r>
+          </a:p>
+          <a:p>
+            <a:pPr lvl="1"/>
+            <a:r>
+              <a:rPr lang="en-GB" altLang="zh-CN" sz="2000" kern="1200" dirty="0"/>
+              <a:t>2. put some custom </a:t>
+            </a:r>
+            <a:r>
+              <a:rPr lang="en-GB" altLang="zh-CN" sz="2000" kern="1200" dirty="0" err="1"/>
+              <a:t>sql</a:t>
+            </a:r>
+            <a:r>
+              <a:rPr lang="en-GB" altLang="zh-CN" sz="2000" kern="1200" dirty="0"/>
+              <a:t> files under  `SCRIPTS_DIR` folder</a:t>
+            </a:r>
+            <a:r>
+              <a:rPr lang="zh-CN" altLang="en-GB" sz="2000" kern="1200" dirty="0"/>
+              <a:t>，</a:t>
+            </a:r>
           </a:p>
         </p:txBody>
       </p:sp>
@@ -4965,9 +7095,8 @@
           <a:p>
             <a:r>
               <a:rPr lang="en-US" altLang="zh-CN" dirty="0"/>
-              <a:t>Implementation Details</a:t>
-            </a:r>
-            <a:endParaRPr lang="zh-CN" altLang="en-US" dirty="0"/>
+              <a:t>Installation Specifics</a:t>
+            </a:r>
           </a:p>
         </p:txBody>
       </p:sp>
@@ -4983,7 +7112,7 @@
         </p:nvSpPr>
         <p:spPr>
           <a:xfrm>
-            <a:off x="-1404664" y="6356350"/>
+            <a:off x="0" y="6356350"/>
             <a:ext cx="2133600" cy="365125"/>
           </a:xfrm>
           <a:prstGeom prst="rect">
@@ -5003,234 +7132,10 @@
           </a:p>
         </p:txBody>
       </p:sp>
-      <p:sp>
-        <p:nvSpPr>
-          <p:cNvPr id="6" name="Rectangle 35"/>
-          <p:cNvSpPr>
-            <a:spLocks noChangeArrowheads="1"/>
-          </p:cNvSpPr>
-          <p:nvPr/>
-        </p:nvSpPr>
-        <p:spPr bwMode="auto">
-          <a:xfrm>
-            <a:off x="0" y="5798434"/>
-            <a:ext cx="9144000" cy="0"/>
-          </a:xfrm>
-          <a:prstGeom prst="rect">
-            <a:avLst/>
-          </a:prstGeom>
-          <a:solidFill>
-            <a:srgbClr val="FFFFFF"/>
-          </a:solidFill>
-          <a:ln>
-            <a:noFill/>
-          </a:ln>
-          <a:effectLst/>
-          <a:extLst>
-            <a:ext uri="{91240B29-F687-4F45-9708-019B960494DF}">
-              <a14:hiddenLine xmlns:a14="http://schemas.microsoft.com/office/drawing/2010/main" w="9525">
-                <a:solidFill>
-                  <a:schemeClr val="tx1"/>
-                </a:solidFill>
-                <a:miter lim="800000"/>
-                <a:headEnd/>
-                <a:tailEnd/>
-              </a14:hiddenLine>
-            </a:ext>
-            <a:ext uri="{AF507438-7753-43E0-B8FC-AC1667EBCBE1}">
-              <a14:hiddenEffects xmlns:a14="http://schemas.microsoft.com/office/drawing/2010/main">
-                <a:effectLst>
-                  <a:outerShdw dist="35921" dir="2700000" algn="ctr" rotWithShape="0">
-                    <a:schemeClr val="bg2"/>
-                  </a:outerShdw>
-                </a:effectLst>
-              </a14:hiddenEffects>
-            </a:ext>
-          </a:extLst>
-        </p:spPr>
-        <p:txBody>
-          <a:bodyPr vert="horz" wrap="none" lIns="91440" tIns="45720" rIns="91440" bIns="45720" numCol="1" anchor="ctr" anchorCtr="0" compatLnSpc="1">
-            <a:prstTxWarp prst="textNoShape">
-              <a:avLst/>
-            </a:prstTxWarp>
-            <a:spAutoFit/>
-          </a:bodyPr>
-          <a:lstStyle/>
-          <a:p>
-            <a:pPr marL="0" marR="0" lvl="0" indent="758825" algn="l" defTabSz="914400" rtl="0" eaLnBrk="0" fontAlgn="base" latinLnBrk="0" hangingPunct="0">
-              <a:lnSpc>
-                <a:spcPct val="100000"/>
-              </a:lnSpc>
-              <a:spcBef>
-                <a:spcPct val="0"/>
-              </a:spcBef>
-              <a:spcAft>
-                <a:spcPct val="0"/>
-              </a:spcAft>
-              <a:buClrTx/>
-              <a:buSzTx/>
-              <a:buFontTx/>
-              <a:buNone/>
-              <a:tabLst/>
-            </a:pPr>
-            <a:r>
-              <a:rPr kumimoji="0" lang="en-US" altLang="zh-CN" sz="1000" b="0" i="0" u="none" strike="noStrike" cap="none" normalizeH="0" baseline="0">
-                <a:ln>
-                  <a:noFill/>
-                </a:ln>
-                <a:solidFill>
-                  <a:schemeClr val="tx1"/>
-                </a:solidFill>
-                <a:effectLst/>
-                <a:latin typeface="Arial" panose="020B0604020202020204" pitchFamily="34" charset="0"/>
-                <a:ea typeface="楷体_GB2312" charset="-122"/>
-                <a:cs typeface="Times New Roman" panose="02020603050405020304" pitchFamily="18" charset="0"/>
-              </a:rPr>
-              <a:t> </a:t>
-            </a:r>
-            <a:endParaRPr kumimoji="0" lang="en-US" altLang="zh-CN" sz="1800" b="0" i="0" u="none" strike="noStrike" cap="none" normalizeH="0" baseline="0">
-              <a:ln>
-                <a:noFill/>
-              </a:ln>
-              <a:solidFill>
-                <a:schemeClr val="tx1"/>
-              </a:solidFill>
-              <a:effectLst/>
-              <a:latin typeface="Arial" panose="020B0604020202020204" pitchFamily="34" charset="0"/>
-            </a:endParaRPr>
-          </a:p>
-        </p:txBody>
-      </p:sp>
-      <p:sp>
-        <p:nvSpPr>
-          <p:cNvPr id="11" name="日期占位符 3"/>
-          <p:cNvSpPr txBox="1">
-            <a:spLocks/>
-          </p:cNvSpPr>
-          <p:nvPr/>
-        </p:nvSpPr>
-        <p:spPr>
-          <a:xfrm>
-            <a:off x="-1404664" y="6356350"/>
-            <a:ext cx="2133600" cy="365125"/>
-          </a:xfrm>
-          <a:prstGeom prst="rect">
-            <a:avLst/>
-          </a:prstGeom>
-        </p:spPr>
-        <p:txBody>
-          <a:bodyPr vert="horz" lIns="91440" tIns="45720" rIns="91440" bIns="45720" rtlCol="0" anchor="ctr"/>
-          <a:lstStyle>
-            <a:defPPr>
-              <a:defRPr lang="zh-CN"/>
-            </a:defPPr>
-            <a:lvl1pPr marL="0" algn="l" defTabSz="914400" rtl="0" eaLnBrk="1" latinLnBrk="0" hangingPunct="1">
-              <a:defRPr sz="1200" kern="1200">
-                <a:solidFill>
-                  <a:schemeClr val="tx1">
-                    <a:tint val="75000"/>
-                  </a:schemeClr>
-                </a:solidFill>
-                <a:latin typeface="+mn-lt"/>
-                <a:ea typeface="+mn-ea"/>
-                <a:cs typeface="+mn-cs"/>
-              </a:defRPr>
-            </a:lvl1pPr>
-            <a:lvl2pPr marL="457200" algn="l" defTabSz="914400" rtl="0" eaLnBrk="1" latinLnBrk="0" hangingPunct="1">
-              <a:defRPr sz="1800" kern="1200">
-                <a:solidFill>
-                  <a:schemeClr val="tx1"/>
-                </a:solidFill>
-                <a:latin typeface="+mn-lt"/>
-                <a:ea typeface="+mn-ea"/>
-                <a:cs typeface="+mn-cs"/>
-              </a:defRPr>
-            </a:lvl2pPr>
-            <a:lvl3pPr marL="914400" algn="l" defTabSz="914400" rtl="0" eaLnBrk="1" latinLnBrk="0" hangingPunct="1">
-              <a:defRPr sz="1800" kern="1200">
-                <a:solidFill>
-                  <a:schemeClr val="tx1"/>
-                </a:solidFill>
-                <a:latin typeface="+mn-lt"/>
-                <a:ea typeface="+mn-ea"/>
-                <a:cs typeface="+mn-cs"/>
-              </a:defRPr>
-            </a:lvl3pPr>
-            <a:lvl4pPr marL="1371600" algn="l" defTabSz="914400" rtl="0" eaLnBrk="1" latinLnBrk="0" hangingPunct="1">
-              <a:defRPr sz="1800" kern="1200">
-                <a:solidFill>
-                  <a:schemeClr val="tx1"/>
-                </a:solidFill>
-                <a:latin typeface="+mn-lt"/>
-                <a:ea typeface="+mn-ea"/>
-                <a:cs typeface="+mn-cs"/>
-              </a:defRPr>
-            </a:lvl4pPr>
-            <a:lvl5pPr marL="1828800" algn="l" defTabSz="914400" rtl="0" eaLnBrk="1" latinLnBrk="0" hangingPunct="1">
-              <a:defRPr sz="1800" kern="1200">
-                <a:solidFill>
-                  <a:schemeClr val="tx1"/>
-                </a:solidFill>
-                <a:latin typeface="+mn-lt"/>
-                <a:ea typeface="+mn-ea"/>
-                <a:cs typeface="+mn-cs"/>
-              </a:defRPr>
-            </a:lvl5pPr>
-            <a:lvl6pPr marL="2286000" algn="l" defTabSz="914400" rtl="0" eaLnBrk="1" latinLnBrk="0" hangingPunct="1">
-              <a:defRPr sz="1800" kern="1200">
-                <a:solidFill>
-                  <a:schemeClr val="tx1"/>
-                </a:solidFill>
-                <a:latin typeface="+mn-lt"/>
-                <a:ea typeface="+mn-ea"/>
-                <a:cs typeface="+mn-cs"/>
-              </a:defRPr>
-            </a:lvl6pPr>
-            <a:lvl7pPr marL="2743200" algn="l" defTabSz="914400" rtl="0" eaLnBrk="1" latinLnBrk="0" hangingPunct="1">
-              <a:defRPr sz="1800" kern="1200">
-                <a:solidFill>
-                  <a:schemeClr val="tx1"/>
-                </a:solidFill>
-                <a:latin typeface="+mn-lt"/>
-                <a:ea typeface="+mn-ea"/>
-                <a:cs typeface="+mn-cs"/>
-              </a:defRPr>
-            </a:lvl7pPr>
-            <a:lvl8pPr marL="3200400" algn="l" defTabSz="914400" rtl="0" eaLnBrk="1" latinLnBrk="0" hangingPunct="1">
-              <a:defRPr sz="1800" kern="1200">
-                <a:solidFill>
-                  <a:schemeClr val="tx1"/>
-                </a:solidFill>
-                <a:latin typeface="+mn-lt"/>
-                <a:ea typeface="+mn-ea"/>
-                <a:cs typeface="+mn-cs"/>
-              </a:defRPr>
-            </a:lvl8pPr>
-            <a:lvl9pPr marL="3657600" algn="l" defTabSz="914400" rtl="0" eaLnBrk="1" latinLnBrk="0" hangingPunct="1">
-              <a:defRPr sz="1800" kern="1200">
-                <a:solidFill>
-                  <a:schemeClr val="tx1"/>
-                </a:solidFill>
-                <a:latin typeface="+mn-lt"/>
-                <a:ea typeface="+mn-ea"/>
-                <a:cs typeface="+mn-cs"/>
-              </a:defRPr>
-            </a:lvl9pPr>
-          </a:lstStyle>
-          <a:p>
-            <a:fld id="{A645CD40-335F-473C-AFD9-1A70D1B04167}" type="datetime1">
-              <a:rPr lang="zh-CN" altLang="en-US" smtClean="0"/>
-              <a:pPr/>
-              <a:t>2020/3/7</a:t>
-            </a:fld>
-            <a:endParaRPr lang="zh-CN" altLang="en-US" dirty="0"/>
-          </a:p>
-        </p:txBody>
-      </p:sp>
     </p:spTree>
     <p:extLst>
       <p:ext uri="{BB962C8B-B14F-4D97-AF65-F5344CB8AC3E}">
-        <p14:creationId xmlns:p14="http://schemas.microsoft.com/office/powerpoint/2010/main" val="1441315838"/>
+        <p14:creationId xmlns:p14="http://schemas.microsoft.com/office/powerpoint/2010/main" val="1470016948"/>
       </p:ext>
     </p:extLst>
   </p:cSld>
@@ -5282,7 +7187,98 @@
           </a:bodyPr>
           <a:lstStyle/>
           <a:p>
+            <a:r>
+              <a:rPr lang="en-US" altLang="zh-CN" sz="2400" dirty="0"/>
+              <a:t>Run customized performance(All)</a:t>
+            </a:r>
+          </a:p>
+          <a:p>
+            <a:pPr lvl="1"/>
+            <a:r>
+              <a:rPr lang="en-US" altLang="zh-CN" sz="2000" dirty="0"/>
+              <a:t>1. start service `python3 manage.py </a:t>
+            </a:r>
+            <a:r>
+              <a:rPr lang="en-US" altLang="zh-CN" sz="2000" dirty="0" err="1"/>
+              <a:t>runserver</a:t>
+            </a:r>
+            <a:r>
+              <a:rPr lang="en-US" altLang="zh-CN" sz="2000" dirty="0"/>
+              <a:t>`</a:t>
+            </a:r>
+          </a:p>
+          <a:p>
+            <a:pPr lvl="1"/>
+            <a:r>
+              <a:rPr lang="en-US" altLang="zh-CN" sz="2000" dirty="0"/>
+              <a:t>2. start client `python3 perffarm-client.py`</a:t>
+            </a:r>
+          </a:p>
+          <a:p>
+            <a:pPr marL="471487" lvl="1" indent="0">
+              <a:buNone/>
+            </a:pPr>
             <a:endParaRPr lang="en-US" altLang="zh-CN" sz="2000" dirty="0"/>
+          </a:p>
+          <a:p>
+            <a:r>
+              <a:rPr lang="en-GB" altLang="zh-CN" sz="2400" dirty="0"/>
+              <a:t>upload results to the database(Chloe)</a:t>
+            </a:r>
+          </a:p>
+          <a:p>
+            <a:pPr lvl="1"/>
+            <a:r>
+              <a:rPr lang="en-US" altLang="zh-CN" sz="2000" dirty="0"/>
+              <a:t>the </a:t>
+            </a:r>
+            <a:r>
+              <a:rPr lang="en-US" altLang="zh-CN" sz="2000" dirty="0" err="1"/>
+              <a:t>pgbench</a:t>
+            </a:r>
+            <a:r>
+              <a:rPr lang="en-US" altLang="zh-CN" sz="2000" dirty="0"/>
+              <a:t> results and all the </a:t>
+            </a:r>
+            <a:r>
+              <a:rPr lang="en-US" altLang="zh-CN" sz="2000" dirty="0" err="1"/>
+              <a:t>sql</a:t>
+            </a:r>
+            <a:r>
+              <a:rPr lang="en-US" altLang="zh-CN" sz="2000" dirty="0"/>
+              <a:t> files under your `SCRIPTS_DIR`  </a:t>
+            </a:r>
+            <a:r>
+              <a:rPr lang="en-US" altLang="zh-CN" sz="2000" dirty="0" err="1"/>
+              <a:t>gonna</a:t>
+            </a:r>
+            <a:r>
+              <a:rPr lang="en-US" altLang="zh-CN" sz="2000" dirty="0"/>
+              <a:t> </a:t>
+            </a:r>
+            <a:r>
+              <a:rPr lang="en-US" altLang="zh-CN" sz="2000" dirty="0" err="1"/>
+              <a:t>automatly</a:t>
+            </a:r>
+            <a:r>
+              <a:rPr lang="en-US" altLang="zh-CN" sz="2000" dirty="0"/>
+              <a:t> save to  `</a:t>
+            </a:r>
+            <a:r>
+              <a:rPr lang="en-US" altLang="zh-CN" sz="2000" dirty="0" err="1"/>
+              <a:t>pgperffarm-db</a:t>
+            </a:r>
+            <a:r>
+              <a:rPr lang="en-US" altLang="zh-CN" sz="2000" dirty="0"/>
+              <a:t>` </a:t>
+            </a:r>
+          </a:p>
+          <a:p>
+            <a:pPr lvl="1"/>
+            <a:endParaRPr lang="en-US" altLang="zh-CN" sz="2000" dirty="0"/>
+          </a:p>
+          <a:p>
+            <a:endParaRPr lang="zh-CN" altLang="en-US" sz="2400" dirty="0"/>
           </a:p>
         </p:txBody>
       </p:sp>
@@ -5308,9 +7304,8 @@
           <a:p>
             <a:r>
               <a:rPr lang="en-US" altLang="zh-CN" dirty="0"/>
-              <a:t>PR Summary</a:t>
-            </a:r>
-            <a:endParaRPr lang="zh-CN" altLang="en-US" dirty="0"/>
+              <a:t>Installation Specifics</a:t>
+            </a:r>
           </a:p>
         </p:txBody>
       </p:sp>
@@ -5340,7 +7335,7 @@
             <a:fld id="{A645CD40-335F-473C-AFD9-1A70D1B04167}" type="datetime1">
               <a:rPr lang="zh-CN" altLang="en-US" smtClean="0"/>
               <a:pPr/>
-              <a:t>2020/3/6</a:t>
+              <a:t>2020/3/7</a:t>
             </a:fld>
             <a:endParaRPr lang="zh-CN" altLang="en-US" dirty="0"/>
           </a:p>
@@ -5349,7 +7344,7 @@
     </p:spTree>
     <p:extLst>
       <p:ext uri="{BB962C8B-B14F-4D97-AF65-F5344CB8AC3E}">
-        <p14:creationId xmlns:p14="http://schemas.microsoft.com/office/powerpoint/2010/main" val="3816744004"/>
+        <p14:creationId xmlns:p14="http://schemas.microsoft.com/office/powerpoint/2010/main" val="2739517068"/>
       </p:ext>
     </p:extLst>
   </p:cSld>
@@ -5401,6 +7396,52 @@
           </a:bodyPr>
           <a:lstStyle/>
           <a:p>
+            <a:r>
+              <a:rPr lang="en-US" altLang="zh-CN" sz="2400" dirty="0">
+                <a:effectLst/>
+              </a:rPr>
+              <a:t>Client-</a:t>
+            </a:r>
+            <a:r>
+              <a:rPr lang="en-GB" altLang="zh-CN" sz="2400" dirty="0">
+                <a:effectLst/>
+              </a:rPr>
+              <a:t>Set the customized parameters(Eric)</a:t>
+            </a:r>
+          </a:p>
+          <a:p>
+            <a:r>
+              <a:rPr lang="en-US" altLang="zh-CN" sz="2400" dirty="0">
+                <a:effectLst/>
+              </a:rPr>
+              <a:t>Client-Configure custom scripts(Susan)</a:t>
+            </a:r>
+          </a:p>
+          <a:p>
+            <a:r>
+              <a:rPr lang="en-GB" altLang="zh-CN" sz="2400" dirty="0">
+                <a:effectLst/>
+              </a:rPr>
+              <a:t>Server-upload results to the database(Chloe)</a:t>
+            </a:r>
+            <a:endParaRPr lang="en-US" altLang="zh-CN" sz="2400" dirty="0">
+              <a:effectLst/>
+            </a:endParaRPr>
+          </a:p>
+          <a:p>
+            <a:endParaRPr lang="en-GB" altLang="zh-CN" sz="2400" dirty="0">
+              <a:effectLst/>
+            </a:endParaRPr>
+          </a:p>
+          <a:p>
+            <a:endParaRPr lang="en-US" altLang="zh-CN" sz="2400" dirty="0">
+              <a:effectLst/>
+            </a:endParaRPr>
+          </a:p>
+          <a:p>
+            <a:pPr marL="471487" lvl="1" indent="0">
+              <a:buNone/>
+            </a:pPr>
             <a:endParaRPr lang="en-US" altLang="zh-CN" sz="2000" dirty="0"/>
           </a:p>
         </p:txBody>
@@ -5427,7 +7468,7 @@
           <a:p>
             <a:r>
               <a:rPr lang="en-US" altLang="zh-CN" dirty="0"/>
-              <a:t>Future Work</a:t>
+              <a:t>Implementation Details</a:t>
             </a:r>
             <a:endParaRPr lang="zh-CN" altLang="en-US" dirty="0"/>
           </a:p>
@@ -5445,7 +7486,7 @@
         </p:nvSpPr>
         <p:spPr>
           <a:xfrm>
-            <a:off x="0" y="6356350"/>
+            <a:off x="-1404664" y="6356350"/>
             <a:ext cx="2133600" cy="365125"/>
           </a:xfrm>
           <a:prstGeom prst="rect">
@@ -5465,10 +7506,234 @@
           </a:p>
         </p:txBody>
       </p:sp>
+      <p:sp>
+        <p:nvSpPr>
+          <p:cNvPr id="6" name="Rectangle 35"/>
+          <p:cNvSpPr>
+            <a:spLocks noChangeArrowheads="1"/>
+          </p:cNvSpPr>
+          <p:nvPr/>
+        </p:nvSpPr>
+        <p:spPr bwMode="auto">
+          <a:xfrm>
+            <a:off x="0" y="5798434"/>
+            <a:ext cx="9144000" cy="0"/>
+          </a:xfrm>
+          <a:prstGeom prst="rect">
+            <a:avLst/>
+          </a:prstGeom>
+          <a:solidFill>
+            <a:srgbClr val="FFFFFF"/>
+          </a:solidFill>
+          <a:ln>
+            <a:noFill/>
+          </a:ln>
+          <a:effectLst/>
+          <a:extLst>
+            <a:ext uri="{91240B29-F687-4F45-9708-019B960494DF}">
+              <a14:hiddenLine xmlns:a14="http://schemas.microsoft.com/office/drawing/2010/main" w="9525">
+                <a:solidFill>
+                  <a:schemeClr val="tx1"/>
+                </a:solidFill>
+                <a:miter lim="800000"/>
+                <a:headEnd/>
+                <a:tailEnd/>
+              </a14:hiddenLine>
+            </a:ext>
+            <a:ext uri="{AF507438-7753-43E0-B8FC-AC1667EBCBE1}">
+              <a14:hiddenEffects xmlns:a14="http://schemas.microsoft.com/office/drawing/2010/main">
+                <a:effectLst>
+                  <a:outerShdw dist="35921" dir="2700000" algn="ctr" rotWithShape="0">
+                    <a:schemeClr val="bg2"/>
+                  </a:outerShdw>
+                </a:effectLst>
+              </a14:hiddenEffects>
+            </a:ext>
+          </a:extLst>
+        </p:spPr>
+        <p:txBody>
+          <a:bodyPr vert="horz" wrap="none" lIns="91440" tIns="45720" rIns="91440" bIns="45720" numCol="1" anchor="ctr" anchorCtr="0" compatLnSpc="1">
+            <a:prstTxWarp prst="textNoShape">
+              <a:avLst/>
+            </a:prstTxWarp>
+            <a:spAutoFit/>
+          </a:bodyPr>
+          <a:lstStyle/>
+          <a:p>
+            <a:pPr marL="0" marR="0" lvl="0" indent="758825" algn="l" defTabSz="914400" rtl="0" eaLnBrk="0" fontAlgn="base" latinLnBrk="0" hangingPunct="0">
+              <a:lnSpc>
+                <a:spcPct val="100000"/>
+              </a:lnSpc>
+              <a:spcBef>
+                <a:spcPct val="0"/>
+              </a:spcBef>
+              <a:spcAft>
+                <a:spcPct val="0"/>
+              </a:spcAft>
+              <a:buClrTx/>
+              <a:buSzTx/>
+              <a:buFontTx/>
+              <a:buNone/>
+              <a:tabLst/>
+            </a:pPr>
+            <a:r>
+              <a:rPr kumimoji="0" lang="en-US" altLang="zh-CN" sz="1000" b="0" i="0" u="none" strike="noStrike" cap="none" normalizeH="0" baseline="0">
+                <a:ln>
+                  <a:noFill/>
+                </a:ln>
+                <a:solidFill>
+                  <a:schemeClr val="tx1"/>
+                </a:solidFill>
+                <a:effectLst/>
+                <a:latin typeface="Arial" panose="020B0604020202020204" pitchFamily="34" charset="0"/>
+                <a:ea typeface="楷体_GB2312" charset="-122"/>
+                <a:cs typeface="Times New Roman" panose="02020603050405020304" pitchFamily="18" charset="0"/>
+              </a:rPr>
+              <a:t> </a:t>
+            </a:r>
+            <a:endParaRPr kumimoji="0" lang="en-US" altLang="zh-CN" sz="1800" b="0" i="0" u="none" strike="noStrike" cap="none" normalizeH="0" baseline="0">
+              <a:ln>
+                <a:noFill/>
+              </a:ln>
+              <a:solidFill>
+                <a:schemeClr val="tx1"/>
+              </a:solidFill>
+              <a:effectLst/>
+              <a:latin typeface="Arial" panose="020B0604020202020204" pitchFamily="34" charset="0"/>
+            </a:endParaRPr>
+          </a:p>
+        </p:txBody>
+      </p:sp>
+      <p:sp>
+        <p:nvSpPr>
+          <p:cNvPr id="11" name="日期占位符 3"/>
+          <p:cNvSpPr txBox="1">
+            <a:spLocks/>
+          </p:cNvSpPr>
+          <p:nvPr/>
+        </p:nvSpPr>
+        <p:spPr>
+          <a:xfrm>
+            <a:off x="-1404664" y="6356350"/>
+            <a:ext cx="2133600" cy="365125"/>
+          </a:xfrm>
+          <a:prstGeom prst="rect">
+            <a:avLst/>
+          </a:prstGeom>
+        </p:spPr>
+        <p:txBody>
+          <a:bodyPr vert="horz" lIns="91440" tIns="45720" rIns="91440" bIns="45720" rtlCol="0" anchor="ctr"/>
+          <a:lstStyle>
+            <a:defPPr>
+              <a:defRPr lang="zh-CN"/>
+            </a:defPPr>
+            <a:lvl1pPr marL="0" algn="l" defTabSz="914400" rtl="0" eaLnBrk="1" latinLnBrk="0" hangingPunct="1">
+              <a:defRPr sz="1200" kern="1200">
+                <a:solidFill>
+                  <a:schemeClr val="tx1">
+                    <a:tint val="75000"/>
+                  </a:schemeClr>
+                </a:solidFill>
+                <a:latin typeface="+mn-lt"/>
+                <a:ea typeface="+mn-ea"/>
+                <a:cs typeface="+mn-cs"/>
+              </a:defRPr>
+            </a:lvl1pPr>
+            <a:lvl2pPr marL="457200" algn="l" defTabSz="914400" rtl="0" eaLnBrk="1" latinLnBrk="0" hangingPunct="1">
+              <a:defRPr sz="1800" kern="1200">
+                <a:solidFill>
+                  <a:schemeClr val="tx1"/>
+                </a:solidFill>
+                <a:latin typeface="+mn-lt"/>
+                <a:ea typeface="+mn-ea"/>
+                <a:cs typeface="+mn-cs"/>
+              </a:defRPr>
+            </a:lvl2pPr>
+            <a:lvl3pPr marL="914400" algn="l" defTabSz="914400" rtl="0" eaLnBrk="1" latinLnBrk="0" hangingPunct="1">
+              <a:defRPr sz="1800" kern="1200">
+                <a:solidFill>
+                  <a:schemeClr val="tx1"/>
+                </a:solidFill>
+                <a:latin typeface="+mn-lt"/>
+                <a:ea typeface="+mn-ea"/>
+                <a:cs typeface="+mn-cs"/>
+              </a:defRPr>
+            </a:lvl3pPr>
+            <a:lvl4pPr marL="1371600" algn="l" defTabSz="914400" rtl="0" eaLnBrk="1" latinLnBrk="0" hangingPunct="1">
+              <a:defRPr sz="1800" kern="1200">
+                <a:solidFill>
+                  <a:schemeClr val="tx1"/>
+                </a:solidFill>
+                <a:latin typeface="+mn-lt"/>
+                <a:ea typeface="+mn-ea"/>
+                <a:cs typeface="+mn-cs"/>
+              </a:defRPr>
+            </a:lvl4pPr>
+            <a:lvl5pPr marL="1828800" algn="l" defTabSz="914400" rtl="0" eaLnBrk="1" latinLnBrk="0" hangingPunct="1">
+              <a:defRPr sz="1800" kern="1200">
+                <a:solidFill>
+                  <a:schemeClr val="tx1"/>
+                </a:solidFill>
+                <a:latin typeface="+mn-lt"/>
+                <a:ea typeface="+mn-ea"/>
+                <a:cs typeface="+mn-cs"/>
+              </a:defRPr>
+            </a:lvl5pPr>
+            <a:lvl6pPr marL="2286000" algn="l" defTabSz="914400" rtl="0" eaLnBrk="1" latinLnBrk="0" hangingPunct="1">
+              <a:defRPr sz="1800" kern="1200">
+                <a:solidFill>
+                  <a:schemeClr val="tx1"/>
+                </a:solidFill>
+                <a:latin typeface="+mn-lt"/>
+                <a:ea typeface="+mn-ea"/>
+                <a:cs typeface="+mn-cs"/>
+              </a:defRPr>
+            </a:lvl6pPr>
+            <a:lvl7pPr marL="2743200" algn="l" defTabSz="914400" rtl="0" eaLnBrk="1" latinLnBrk="0" hangingPunct="1">
+              <a:defRPr sz="1800" kern="1200">
+                <a:solidFill>
+                  <a:schemeClr val="tx1"/>
+                </a:solidFill>
+                <a:latin typeface="+mn-lt"/>
+                <a:ea typeface="+mn-ea"/>
+                <a:cs typeface="+mn-cs"/>
+              </a:defRPr>
+            </a:lvl7pPr>
+            <a:lvl8pPr marL="3200400" algn="l" defTabSz="914400" rtl="0" eaLnBrk="1" latinLnBrk="0" hangingPunct="1">
+              <a:defRPr sz="1800" kern="1200">
+                <a:solidFill>
+                  <a:schemeClr val="tx1"/>
+                </a:solidFill>
+                <a:latin typeface="+mn-lt"/>
+                <a:ea typeface="+mn-ea"/>
+                <a:cs typeface="+mn-cs"/>
+              </a:defRPr>
+            </a:lvl8pPr>
+            <a:lvl9pPr marL="3657600" algn="l" defTabSz="914400" rtl="0" eaLnBrk="1" latinLnBrk="0" hangingPunct="1">
+              <a:defRPr sz="1800" kern="1200">
+                <a:solidFill>
+                  <a:schemeClr val="tx1"/>
+                </a:solidFill>
+                <a:latin typeface="+mn-lt"/>
+                <a:ea typeface="+mn-ea"/>
+                <a:cs typeface="+mn-cs"/>
+              </a:defRPr>
+            </a:lvl9pPr>
+          </a:lstStyle>
+          <a:p>
+            <a:fld id="{A645CD40-335F-473C-AFD9-1A70D1B04167}" type="datetime1">
+              <a:rPr lang="zh-CN" altLang="en-US" smtClean="0"/>
+              <a:pPr/>
+              <a:t>2020/3/7</a:t>
+            </a:fld>
+            <a:endParaRPr lang="zh-CN" altLang="en-US" dirty="0"/>
+          </a:p>
+        </p:txBody>
+      </p:sp>
     </p:spTree>
     <p:extLst>
       <p:ext uri="{BB962C8B-B14F-4D97-AF65-F5344CB8AC3E}">
-        <p14:creationId xmlns:p14="http://schemas.microsoft.com/office/powerpoint/2010/main" val="1674863032"/>
+        <p14:creationId xmlns:p14="http://schemas.microsoft.com/office/powerpoint/2010/main" val="1441315838"/>
       </p:ext>
     </p:extLst>
   </p:cSld>
@@ -5500,94 +7765,819 @@
       </p:grpSpPr>
       <p:sp>
         <p:nvSpPr>
-          <p:cNvPr id="8" name="标题 1"/>
-          <p:cNvSpPr txBox="1">
-            <a:spLocks/>
-          </p:cNvSpPr>
-          <p:nvPr/>
+          <p:cNvPr id="12" name="内容占位符 11"/>
+          <p:cNvSpPr>
+            <a:spLocks noGrp="1"/>
+          </p:cNvSpPr>
+          <p:nvPr>
+            <p:ph idx="1"/>
+          </p:nvPr>
         </p:nvSpPr>
         <p:spPr>
           <a:xfrm>
-            <a:off x="323528" y="2348880"/>
-            <a:ext cx="8229600" cy="777875"/>
+            <a:off x="566737" y="1643050"/>
+            <a:ext cx="8008937" cy="4714908"/>
+          </a:xfrm>
+        </p:spPr>
+        <p:txBody>
+          <a:bodyPr>
+            <a:normAutofit/>
+          </a:bodyPr>
+          <a:lstStyle/>
+          <a:p>
+            <a:r>
+              <a:rPr lang="en-GB" altLang="zh-CN" sz="2400" dirty="0">
+                <a:effectLst/>
+              </a:rPr>
+              <a:t>Server-upload results to the database</a:t>
+            </a:r>
+          </a:p>
+          <a:p>
+            <a:pPr lvl="1"/>
+            <a:r>
+              <a:rPr lang="en-GB" altLang="zh-CN" sz="2000" dirty="0"/>
+              <a:t>add </a:t>
+            </a:r>
+            <a:r>
+              <a:rPr lang="en-GB" altLang="zh-CN" sz="2000" dirty="0" err="1"/>
+              <a:t>custome</a:t>
+            </a:r>
+            <a:r>
+              <a:rPr lang="en-GB" altLang="zh-CN" sz="2000" dirty="0"/>
+              <a:t> </a:t>
+            </a:r>
+            <a:r>
+              <a:rPr lang="en-US" altLang="zh-CN" sz="2000" dirty="0"/>
+              <a:t>s</a:t>
+            </a:r>
+            <a:r>
+              <a:rPr lang="en-GB" altLang="zh-CN" sz="2000" dirty="0" err="1"/>
+              <a:t>cripts</a:t>
+            </a:r>
+            <a:r>
+              <a:rPr lang="en-GB" altLang="zh-CN" sz="2000" dirty="0"/>
+              <a:t> and complete the related Django rest framework</a:t>
+            </a:r>
+            <a:endParaRPr lang="en-US" altLang="zh-CN" sz="2000" dirty="0">
+              <a:effectLst/>
+            </a:endParaRPr>
+          </a:p>
+          <a:p>
+            <a:endParaRPr lang="en-GB" altLang="zh-CN" sz="2400" dirty="0">
+              <a:effectLst/>
+            </a:endParaRPr>
+          </a:p>
+          <a:p>
+            <a:endParaRPr lang="en-US" altLang="zh-CN" sz="2400" dirty="0">
+              <a:effectLst/>
+            </a:endParaRPr>
+          </a:p>
+          <a:p>
+            <a:pPr marL="471487" lvl="1" indent="0">
+              <a:buNone/>
+            </a:pPr>
+            <a:endParaRPr lang="en-US" altLang="zh-CN" sz="2000" dirty="0"/>
+          </a:p>
+        </p:txBody>
+      </p:sp>
+      <p:sp>
+        <p:nvSpPr>
+          <p:cNvPr id="9" name="标题 1"/>
+          <p:cNvSpPr>
+            <a:spLocks noGrp="1"/>
+          </p:cNvSpPr>
+          <p:nvPr>
+            <p:ph type="title"/>
+          </p:nvPr>
+        </p:nvSpPr>
+        <p:spPr>
+          <a:xfrm>
+            <a:off x="574675" y="304800"/>
+            <a:ext cx="8001000" cy="820738"/>
+          </a:xfrm>
+        </p:spPr>
+        <p:txBody>
+          <a:bodyPr/>
+          <a:lstStyle/>
+          <a:p>
+            <a:r>
+              <a:rPr lang="en-US" altLang="zh-CN" dirty="0"/>
+              <a:t>Implementation Details</a:t>
+            </a:r>
+            <a:endParaRPr lang="zh-CN" altLang="en-US" dirty="0"/>
+          </a:p>
+        </p:txBody>
+      </p:sp>
+      <p:sp>
+        <p:nvSpPr>
+          <p:cNvPr id="4" name="日期占位符 3"/>
+          <p:cNvSpPr>
+            <a:spLocks noGrp="1"/>
+          </p:cNvSpPr>
+          <p:nvPr>
+            <p:ph type="dt" sz="half" idx="11"/>
+          </p:nvPr>
+        </p:nvSpPr>
+        <p:spPr>
+          <a:xfrm>
+            <a:off x="-1404664" y="6356350"/>
+            <a:ext cx="2133600" cy="365125"/>
           </a:xfrm>
           <a:prstGeom prst="rect">
             <a:avLst/>
           </a:prstGeom>
         </p:spPr>
         <p:txBody>
-          <a:bodyPr vert="horz" lIns="91440" tIns="45720" rIns="91440" bIns="45720" rtlCol="0" anchor="ctr">
-            <a:normAutofit/>
+          <a:bodyPr/>
+          <a:lstStyle/>
+          <a:p>
+            <a:fld id="{A645CD40-335F-473C-AFD9-1A70D1B04167}" type="datetime1">
+              <a:rPr lang="zh-CN" altLang="en-US" smtClean="0"/>
+              <a:pPr/>
+              <a:t>2020/3/7</a:t>
+            </a:fld>
+            <a:endParaRPr lang="zh-CN" altLang="en-US" dirty="0"/>
+          </a:p>
+        </p:txBody>
+      </p:sp>
+      <p:sp>
+        <p:nvSpPr>
+          <p:cNvPr id="6" name="Rectangle 35"/>
+          <p:cNvSpPr>
+            <a:spLocks noChangeArrowheads="1"/>
+          </p:cNvSpPr>
+          <p:nvPr/>
+        </p:nvSpPr>
+        <p:spPr bwMode="auto">
+          <a:xfrm>
+            <a:off x="0" y="5798434"/>
+            <a:ext cx="9144000" cy="0"/>
+          </a:xfrm>
+          <a:prstGeom prst="rect">
+            <a:avLst/>
+          </a:prstGeom>
+          <a:solidFill>
+            <a:srgbClr val="FFFFFF"/>
+          </a:solidFill>
+          <a:ln>
+            <a:noFill/>
+          </a:ln>
+          <a:effectLst/>
+          <a:extLst>
+            <a:ext uri="{91240B29-F687-4F45-9708-019B960494DF}">
+              <a14:hiddenLine xmlns:a14="http://schemas.microsoft.com/office/drawing/2010/main" w="9525">
+                <a:solidFill>
+                  <a:schemeClr val="tx1"/>
+                </a:solidFill>
+                <a:miter lim="800000"/>
+                <a:headEnd/>
+                <a:tailEnd/>
+              </a14:hiddenLine>
+            </a:ext>
+            <a:ext uri="{AF507438-7753-43E0-B8FC-AC1667EBCBE1}">
+              <a14:hiddenEffects xmlns:a14="http://schemas.microsoft.com/office/drawing/2010/main">
+                <a:effectLst>
+                  <a:outerShdw dist="35921" dir="2700000" algn="ctr" rotWithShape="0">
+                    <a:schemeClr val="bg2"/>
+                  </a:outerShdw>
+                </a:effectLst>
+              </a14:hiddenEffects>
+            </a:ext>
+          </a:extLst>
+        </p:spPr>
+        <p:txBody>
+          <a:bodyPr vert="horz" wrap="none" lIns="91440" tIns="45720" rIns="91440" bIns="45720" numCol="1" anchor="ctr" anchorCtr="0" compatLnSpc="1">
+            <a:prstTxWarp prst="textNoShape">
+              <a:avLst/>
+            </a:prstTxWarp>
+            <a:spAutoFit/>
           </a:bodyPr>
-          <a:lstStyle>
-            <a:lvl1pPr algn="ctr" defTabSz="914400" rtl="0" eaLnBrk="1" latinLnBrk="0" hangingPunct="1">
+          <a:lstStyle/>
+          <a:p>
+            <a:pPr marL="0" marR="0" lvl="0" indent="758825" algn="l" defTabSz="914400" rtl="0" eaLnBrk="0" fontAlgn="base" latinLnBrk="0" hangingPunct="0">
+              <a:lnSpc>
+                <a:spcPct val="100000"/>
+              </a:lnSpc>
               <a:spcBef>
                 <a:spcPct val="0"/>
               </a:spcBef>
+              <a:spcAft>
+                <a:spcPct val="0"/>
+              </a:spcAft>
+              <a:buClrTx/>
+              <a:buSzTx/>
+              <a:buFontTx/>
               <a:buNone/>
-              <a:defRPr sz="3600" b="0" kern="1200">
+              <a:tabLst/>
+            </a:pPr>
+            <a:r>
+              <a:rPr kumimoji="0" lang="en-US" altLang="zh-CN" sz="1000" b="0" i="0" u="none" strike="noStrike" cap="none" normalizeH="0" baseline="0">
+                <a:ln>
+                  <a:noFill/>
+                </a:ln>
                 <a:solidFill>
                   <a:schemeClr val="tx1"/>
                 </a:solidFill>
-                <a:latin typeface="黑体" pitchFamily="2" charset="-122"/>
-                <a:ea typeface="黑体" pitchFamily="2" charset="-122"/>
-                <a:cs typeface="+mj-cs"/>
-              </a:defRPr>
-            </a:lvl1pPr>
-          </a:lstStyle>
-          <a:p>
-            <a:r>
-              <a:rPr lang="en-US" altLang="zh-CN" b="1" dirty="0">
-                <a:latin typeface="Trebuchet MS" pitchFamily="34" charset="0"/>
-                <a:ea typeface="黑体" pitchFamily="49" charset="-122"/>
-                <a:cs typeface="Tahoma" pitchFamily="34" charset="0"/>
+                <a:effectLst/>
+                <a:latin typeface="Arial" panose="020B0604020202020204" pitchFamily="34" charset="0"/>
+                <a:ea typeface="楷体_GB2312" charset="-122"/>
+                <a:cs typeface="Times New Roman" panose="02020603050405020304" pitchFamily="18" charset="0"/>
               </a:rPr>
-              <a:t>Thank you for your attention!</a:t>
-            </a:r>
-          </a:p>
-        </p:txBody>
-      </p:sp>
-      <p:sp>
-        <p:nvSpPr>
-          <p:cNvPr id="3" name="矩形 2"/>
-          <p:cNvSpPr/>
+              <a:t> </a:t>
+            </a:r>
+            <a:endParaRPr kumimoji="0" lang="en-US" altLang="zh-CN" sz="1800" b="0" i="0" u="none" strike="noStrike" cap="none" normalizeH="0" baseline="0">
+              <a:ln>
+                <a:noFill/>
+              </a:ln>
+              <a:solidFill>
+                <a:schemeClr val="tx1"/>
+              </a:solidFill>
+              <a:effectLst/>
+              <a:latin typeface="Arial" panose="020B0604020202020204" pitchFamily="34" charset="0"/>
+            </a:endParaRPr>
+          </a:p>
+        </p:txBody>
+      </p:sp>
+      <p:sp>
+        <p:nvSpPr>
+          <p:cNvPr id="11" name="日期占位符 3"/>
+          <p:cNvSpPr txBox="1">
+            <a:spLocks/>
+          </p:cNvSpPr>
           <p:nvPr/>
         </p:nvSpPr>
         <p:spPr>
           <a:xfrm>
-            <a:off x="2430227" y="3284984"/>
-            <a:ext cx="4283545" cy="769441"/>
+            <a:off x="-1404664" y="6356350"/>
+            <a:ext cx="2133600" cy="365125"/>
           </a:xfrm>
           <a:prstGeom prst="rect">
             <a:avLst/>
           </a:prstGeom>
         </p:spPr>
         <p:txBody>
-          <a:bodyPr wrap="none">
-            <a:spAutoFit/>
-          </a:bodyPr>
-          <a:lstStyle/>
-          <a:p>
-            <a:r>
-              <a:rPr lang="en-US" altLang="zh-CN" sz="4400" b="1" dirty="0">
-                <a:latin typeface="Trebuchet MS" pitchFamily="34" charset="0"/>
-                <a:ea typeface="黑体" pitchFamily="49" charset="-122"/>
-                <a:cs typeface="Tahoma" pitchFamily="34" charset="0"/>
-              </a:rPr>
-              <a:t>Any questions ?</a:t>
-            </a:r>
-            <a:endParaRPr lang="zh-CN" altLang="en-US" sz="4400" b="1" dirty="0">
-              <a:latin typeface="Trebuchet MS" pitchFamily="34" charset="0"/>
-              <a:ea typeface="黑体" pitchFamily="49" charset="-122"/>
-              <a:cs typeface="Tahoma" pitchFamily="34" charset="0"/>
-            </a:endParaRPr>
-          </a:p>
-        </p:txBody>
-      </p:sp>
+          <a:bodyPr vert="horz" lIns="91440" tIns="45720" rIns="91440" bIns="45720" rtlCol="0" anchor="ctr"/>
+          <a:lstStyle>
+            <a:defPPr>
+              <a:defRPr lang="zh-CN"/>
+            </a:defPPr>
+            <a:lvl1pPr marL="0" algn="l" defTabSz="914400" rtl="0" eaLnBrk="1" latinLnBrk="0" hangingPunct="1">
+              <a:defRPr sz="1200" kern="1200">
+                <a:solidFill>
+                  <a:schemeClr val="tx1">
+                    <a:tint val="75000"/>
+                  </a:schemeClr>
+                </a:solidFill>
+                <a:latin typeface="+mn-lt"/>
+                <a:ea typeface="+mn-ea"/>
+                <a:cs typeface="+mn-cs"/>
+              </a:defRPr>
+            </a:lvl1pPr>
+            <a:lvl2pPr marL="457200" algn="l" defTabSz="914400" rtl="0" eaLnBrk="1" latinLnBrk="0" hangingPunct="1">
+              <a:defRPr sz="1800" kern="1200">
+                <a:solidFill>
+                  <a:schemeClr val="tx1"/>
+                </a:solidFill>
+                <a:latin typeface="+mn-lt"/>
+                <a:ea typeface="+mn-ea"/>
+                <a:cs typeface="+mn-cs"/>
+              </a:defRPr>
+            </a:lvl2pPr>
+            <a:lvl3pPr marL="914400" algn="l" defTabSz="914400" rtl="0" eaLnBrk="1" latinLnBrk="0" hangingPunct="1">
+              <a:defRPr sz="1800" kern="1200">
+                <a:solidFill>
+                  <a:schemeClr val="tx1"/>
+                </a:solidFill>
+                <a:latin typeface="+mn-lt"/>
+                <a:ea typeface="+mn-ea"/>
+                <a:cs typeface="+mn-cs"/>
+              </a:defRPr>
+            </a:lvl3pPr>
+            <a:lvl4pPr marL="1371600" algn="l" defTabSz="914400" rtl="0" eaLnBrk="1" latinLnBrk="0" hangingPunct="1">
+              <a:defRPr sz="1800" kern="1200">
+                <a:solidFill>
+                  <a:schemeClr val="tx1"/>
+                </a:solidFill>
+                <a:latin typeface="+mn-lt"/>
+                <a:ea typeface="+mn-ea"/>
+                <a:cs typeface="+mn-cs"/>
+              </a:defRPr>
+            </a:lvl4pPr>
+            <a:lvl5pPr marL="1828800" algn="l" defTabSz="914400" rtl="0" eaLnBrk="1" latinLnBrk="0" hangingPunct="1">
+              <a:defRPr sz="1800" kern="1200">
+                <a:solidFill>
+                  <a:schemeClr val="tx1"/>
+                </a:solidFill>
+                <a:latin typeface="+mn-lt"/>
+                <a:ea typeface="+mn-ea"/>
+                <a:cs typeface="+mn-cs"/>
+              </a:defRPr>
+            </a:lvl5pPr>
+            <a:lvl6pPr marL="2286000" algn="l" defTabSz="914400" rtl="0" eaLnBrk="1" latinLnBrk="0" hangingPunct="1">
+              <a:defRPr sz="1800" kern="1200">
+                <a:solidFill>
+                  <a:schemeClr val="tx1"/>
+                </a:solidFill>
+                <a:latin typeface="+mn-lt"/>
+                <a:ea typeface="+mn-ea"/>
+                <a:cs typeface="+mn-cs"/>
+              </a:defRPr>
+            </a:lvl6pPr>
+            <a:lvl7pPr marL="2743200" algn="l" defTabSz="914400" rtl="0" eaLnBrk="1" latinLnBrk="0" hangingPunct="1">
+              <a:defRPr sz="1800" kern="1200">
+                <a:solidFill>
+                  <a:schemeClr val="tx1"/>
+                </a:solidFill>
+                <a:latin typeface="+mn-lt"/>
+                <a:ea typeface="+mn-ea"/>
+                <a:cs typeface="+mn-cs"/>
+              </a:defRPr>
+            </a:lvl7pPr>
+            <a:lvl8pPr marL="3200400" algn="l" defTabSz="914400" rtl="0" eaLnBrk="1" latinLnBrk="0" hangingPunct="1">
+              <a:defRPr sz="1800" kern="1200">
+                <a:solidFill>
+                  <a:schemeClr val="tx1"/>
+                </a:solidFill>
+                <a:latin typeface="+mn-lt"/>
+                <a:ea typeface="+mn-ea"/>
+                <a:cs typeface="+mn-cs"/>
+              </a:defRPr>
+            </a:lvl8pPr>
+            <a:lvl9pPr marL="3657600" algn="l" defTabSz="914400" rtl="0" eaLnBrk="1" latinLnBrk="0" hangingPunct="1">
+              <a:defRPr sz="1800" kern="1200">
+                <a:solidFill>
+                  <a:schemeClr val="tx1"/>
+                </a:solidFill>
+                <a:latin typeface="+mn-lt"/>
+                <a:ea typeface="+mn-ea"/>
+                <a:cs typeface="+mn-cs"/>
+              </a:defRPr>
+            </a:lvl9pPr>
+          </a:lstStyle>
+          <a:p>
+            <a:fld id="{A645CD40-335F-473C-AFD9-1A70D1B04167}" type="datetime1">
+              <a:rPr lang="zh-CN" altLang="en-US" smtClean="0"/>
+              <a:pPr/>
+              <a:t>2020/3/7</a:t>
+            </a:fld>
+            <a:endParaRPr lang="zh-CN" altLang="en-US" dirty="0"/>
+          </a:p>
+        </p:txBody>
+      </p:sp>
+      <p:pic>
+        <p:nvPicPr>
+          <p:cNvPr id="3" name="图片 2">
+            <a:extLst>
+              <a:ext uri="{FF2B5EF4-FFF2-40B4-BE49-F238E27FC236}">
+                <a16:creationId xmlns:a16="http://schemas.microsoft.com/office/drawing/2014/main" id="{49419DE5-C9F6-4BA4-9C2F-F13D063EBF8B}"/>
+              </a:ext>
+            </a:extLst>
+          </p:cNvPr>
+          <p:cNvPicPr>
+            <a:picLocks noChangeAspect="1"/>
+          </p:cNvPicPr>
+          <p:nvPr/>
+        </p:nvPicPr>
+        <p:blipFill>
+          <a:blip r:embed="rId3" cstate="print">
+            <a:extLst>
+              <a:ext uri="{28A0092B-C50C-407E-A947-70E740481C1C}">
+                <a14:useLocalDpi xmlns:a14="http://schemas.microsoft.com/office/drawing/2010/main" val="0"/>
+              </a:ext>
+            </a:extLst>
+          </a:blip>
+          <a:stretch>
+            <a:fillRect/>
+          </a:stretch>
+        </p:blipFill>
+        <p:spPr>
+          <a:xfrm>
+            <a:off x="323528" y="2989187"/>
+            <a:ext cx="8689030" cy="3564013"/>
+          </a:xfrm>
+          <a:prstGeom prst="rect">
+            <a:avLst/>
+          </a:prstGeom>
+        </p:spPr>
+      </p:pic>
     </p:spTree>
     <p:extLst>
       <p:ext uri="{BB962C8B-B14F-4D97-AF65-F5344CB8AC3E}">
-        <p14:creationId xmlns:p14="http://schemas.microsoft.com/office/powerpoint/2010/main" val="530510486"/>
+        <p14:creationId xmlns:p14="http://schemas.microsoft.com/office/powerpoint/2010/main" val="3319249170"/>
+      </p:ext>
+    </p:extLst>
+  </p:cSld>
+  <p:clrMapOvr>
+    <a:masterClrMapping/>
+  </p:clrMapOvr>
+  <p:transition>
+    <p:pull dir="ru"/>
+  </p:transition>
+</p:sld>
+</file>
+
+<file path=ppt/slides/slide9.xml><?xml version="1.0" encoding="utf-8"?>
+<p:sld xmlns:a="http://schemas.openxmlformats.org/drawingml/2006/main" xmlns:r="http://schemas.openxmlformats.org/officeDocument/2006/relationships" xmlns:p="http://schemas.openxmlformats.org/presentationml/2006/main">
+  <p:cSld>
+    <p:spTree>
+      <p:nvGrpSpPr>
+        <p:cNvPr id="1" name=""/>
+        <p:cNvGrpSpPr/>
+        <p:nvPr/>
+      </p:nvGrpSpPr>
+      <p:grpSpPr>
+        <a:xfrm>
+          <a:off x="0" y="0"/>
+          <a:ext cx="0" cy="0"/>
+          <a:chOff x="0" y="0"/>
+          <a:chExt cx="0" cy="0"/>
+        </a:xfrm>
+      </p:grpSpPr>
+      <p:sp>
+        <p:nvSpPr>
+          <p:cNvPr id="12" name="内容占位符 11"/>
+          <p:cNvSpPr>
+            <a:spLocks noGrp="1"/>
+          </p:cNvSpPr>
+          <p:nvPr>
+            <p:ph idx="1"/>
+          </p:nvPr>
+        </p:nvSpPr>
+        <p:spPr>
+          <a:xfrm>
+            <a:off x="566737" y="1643050"/>
+            <a:ext cx="8008937" cy="4714908"/>
+          </a:xfrm>
+        </p:spPr>
+        <p:txBody>
+          <a:bodyPr>
+            <a:normAutofit/>
+          </a:bodyPr>
+          <a:lstStyle/>
+          <a:p>
+            <a:r>
+              <a:rPr lang="en-GB" altLang="zh-CN" sz="2400" dirty="0">
+                <a:effectLst/>
+              </a:rPr>
+              <a:t>Server-upload results to the database</a:t>
+            </a:r>
+          </a:p>
+          <a:p>
+            <a:pPr lvl="1"/>
+            <a:r>
+              <a:rPr lang="en-GB" altLang="zh-CN" sz="2000" dirty="0"/>
+              <a:t>Scripts(name, file, and add time) are saved in db.</a:t>
+            </a:r>
+            <a:endParaRPr lang="en-GB" altLang="zh-CN" sz="2400" dirty="0">
+              <a:effectLst/>
+            </a:endParaRPr>
+          </a:p>
+          <a:p>
+            <a:endParaRPr lang="en-US" altLang="zh-CN" sz="2400" dirty="0">
+              <a:effectLst/>
+            </a:endParaRPr>
+          </a:p>
+          <a:p>
+            <a:pPr marL="471487" lvl="1" indent="0">
+              <a:buNone/>
+            </a:pPr>
+            <a:endParaRPr lang="en-US" altLang="zh-CN" sz="2000" dirty="0"/>
+          </a:p>
+        </p:txBody>
+      </p:sp>
+      <p:sp>
+        <p:nvSpPr>
+          <p:cNvPr id="9" name="标题 1"/>
+          <p:cNvSpPr>
+            <a:spLocks noGrp="1"/>
+          </p:cNvSpPr>
+          <p:nvPr>
+            <p:ph type="title"/>
+          </p:nvPr>
+        </p:nvSpPr>
+        <p:spPr>
+          <a:xfrm>
+            <a:off x="574675" y="304800"/>
+            <a:ext cx="8001000" cy="820738"/>
+          </a:xfrm>
+        </p:spPr>
+        <p:txBody>
+          <a:bodyPr/>
+          <a:lstStyle/>
+          <a:p>
+            <a:r>
+              <a:rPr lang="en-US" altLang="zh-CN" dirty="0"/>
+              <a:t>Implementation Details</a:t>
+            </a:r>
+            <a:endParaRPr lang="zh-CN" altLang="en-US" dirty="0"/>
+          </a:p>
+        </p:txBody>
+      </p:sp>
+      <p:sp>
+        <p:nvSpPr>
+          <p:cNvPr id="4" name="日期占位符 3"/>
+          <p:cNvSpPr>
+            <a:spLocks noGrp="1"/>
+          </p:cNvSpPr>
+          <p:nvPr>
+            <p:ph type="dt" sz="half" idx="11"/>
+          </p:nvPr>
+        </p:nvSpPr>
+        <p:spPr>
+          <a:xfrm>
+            <a:off x="-1404664" y="6356350"/>
+            <a:ext cx="2133600" cy="365125"/>
+          </a:xfrm>
+          <a:prstGeom prst="rect">
+            <a:avLst/>
+          </a:prstGeom>
+        </p:spPr>
+        <p:txBody>
+          <a:bodyPr/>
+          <a:lstStyle/>
+          <a:p>
+            <a:fld id="{A645CD40-335F-473C-AFD9-1A70D1B04167}" type="datetime1">
+              <a:rPr lang="zh-CN" altLang="en-US" smtClean="0"/>
+              <a:pPr/>
+              <a:t>2020/3/7</a:t>
+            </a:fld>
+            <a:endParaRPr lang="zh-CN" altLang="en-US" dirty="0"/>
+          </a:p>
+        </p:txBody>
+      </p:sp>
+      <p:sp>
+        <p:nvSpPr>
+          <p:cNvPr id="6" name="Rectangle 35"/>
+          <p:cNvSpPr>
+            <a:spLocks noChangeArrowheads="1"/>
+          </p:cNvSpPr>
+          <p:nvPr/>
+        </p:nvSpPr>
+        <p:spPr bwMode="auto">
+          <a:xfrm>
+            <a:off x="0" y="5798434"/>
+            <a:ext cx="9144000" cy="0"/>
+          </a:xfrm>
+          <a:prstGeom prst="rect">
+            <a:avLst/>
+          </a:prstGeom>
+          <a:solidFill>
+            <a:srgbClr val="FFFFFF"/>
+          </a:solidFill>
+          <a:ln>
+            <a:noFill/>
+          </a:ln>
+          <a:effectLst/>
+          <a:extLst>
+            <a:ext uri="{91240B29-F687-4F45-9708-019B960494DF}">
+              <a14:hiddenLine xmlns:a14="http://schemas.microsoft.com/office/drawing/2010/main" w="9525">
+                <a:solidFill>
+                  <a:schemeClr val="tx1"/>
+                </a:solidFill>
+                <a:miter lim="800000"/>
+                <a:headEnd/>
+                <a:tailEnd/>
+              </a14:hiddenLine>
+            </a:ext>
+            <a:ext uri="{AF507438-7753-43E0-B8FC-AC1667EBCBE1}">
+              <a14:hiddenEffects xmlns:a14="http://schemas.microsoft.com/office/drawing/2010/main">
+                <a:effectLst>
+                  <a:outerShdw dist="35921" dir="2700000" algn="ctr" rotWithShape="0">
+                    <a:schemeClr val="bg2"/>
+                  </a:outerShdw>
+                </a:effectLst>
+              </a14:hiddenEffects>
+            </a:ext>
+          </a:extLst>
+        </p:spPr>
+        <p:txBody>
+          <a:bodyPr vert="horz" wrap="none" lIns="91440" tIns="45720" rIns="91440" bIns="45720" numCol="1" anchor="ctr" anchorCtr="0" compatLnSpc="1">
+            <a:prstTxWarp prst="textNoShape">
+              <a:avLst/>
+            </a:prstTxWarp>
+            <a:spAutoFit/>
+          </a:bodyPr>
+          <a:lstStyle/>
+          <a:p>
+            <a:pPr marL="0" marR="0" lvl="0" indent="758825" algn="l" defTabSz="914400" rtl="0" eaLnBrk="0" fontAlgn="base" latinLnBrk="0" hangingPunct="0">
+              <a:lnSpc>
+                <a:spcPct val="100000"/>
+              </a:lnSpc>
+              <a:spcBef>
+                <a:spcPct val="0"/>
+              </a:spcBef>
+              <a:spcAft>
+                <a:spcPct val="0"/>
+              </a:spcAft>
+              <a:buClrTx/>
+              <a:buSzTx/>
+              <a:buFontTx/>
+              <a:buNone/>
+              <a:tabLst/>
+            </a:pPr>
+            <a:r>
+              <a:rPr kumimoji="0" lang="en-US" altLang="zh-CN" sz="1000" b="0" i="0" u="none" strike="noStrike" cap="none" normalizeH="0" baseline="0">
+                <a:ln>
+                  <a:noFill/>
+                </a:ln>
+                <a:solidFill>
+                  <a:schemeClr val="tx1"/>
+                </a:solidFill>
+                <a:effectLst/>
+                <a:latin typeface="Arial" panose="020B0604020202020204" pitchFamily="34" charset="0"/>
+                <a:ea typeface="楷体_GB2312" charset="-122"/>
+                <a:cs typeface="Times New Roman" panose="02020603050405020304" pitchFamily="18" charset="0"/>
+              </a:rPr>
+              <a:t> </a:t>
+            </a:r>
+            <a:endParaRPr kumimoji="0" lang="en-US" altLang="zh-CN" sz="1800" b="0" i="0" u="none" strike="noStrike" cap="none" normalizeH="0" baseline="0">
+              <a:ln>
+                <a:noFill/>
+              </a:ln>
+              <a:solidFill>
+                <a:schemeClr val="tx1"/>
+              </a:solidFill>
+              <a:effectLst/>
+              <a:latin typeface="Arial" panose="020B0604020202020204" pitchFamily="34" charset="0"/>
+            </a:endParaRPr>
+          </a:p>
+        </p:txBody>
+      </p:sp>
+      <p:sp>
+        <p:nvSpPr>
+          <p:cNvPr id="11" name="日期占位符 3"/>
+          <p:cNvSpPr txBox="1">
+            <a:spLocks/>
+          </p:cNvSpPr>
+          <p:nvPr/>
+        </p:nvSpPr>
+        <p:spPr>
+          <a:xfrm>
+            <a:off x="-1404664" y="6356350"/>
+            <a:ext cx="2133600" cy="365125"/>
+          </a:xfrm>
+          <a:prstGeom prst="rect">
+            <a:avLst/>
+          </a:prstGeom>
+        </p:spPr>
+        <p:txBody>
+          <a:bodyPr vert="horz" lIns="91440" tIns="45720" rIns="91440" bIns="45720" rtlCol="0" anchor="ctr"/>
+          <a:lstStyle>
+            <a:defPPr>
+              <a:defRPr lang="zh-CN"/>
+            </a:defPPr>
+            <a:lvl1pPr marL="0" algn="l" defTabSz="914400" rtl="0" eaLnBrk="1" latinLnBrk="0" hangingPunct="1">
+              <a:defRPr sz="1200" kern="1200">
+                <a:solidFill>
+                  <a:schemeClr val="tx1">
+                    <a:tint val="75000"/>
+                  </a:schemeClr>
+                </a:solidFill>
+                <a:latin typeface="+mn-lt"/>
+                <a:ea typeface="+mn-ea"/>
+                <a:cs typeface="+mn-cs"/>
+              </a:defRPr>
+            </a:lvl1pPr>
+            <a:lvl2pPr marL="457200" algn="l" defTabSz="914400" rtl="0" eaLnBrk="1" latinLnBrk="0" hangingPunct="1">
+              <a:defRPr sz="1800" kern="1200">
+                <a:solidFill>
+                  <a:schemeClr val="tx1"/>
+                </a:solidFill>
+                <a:latin typeface="+mn-lt"/>
+                <a:ea typeface="+mn-ea"/>
+                <a:cs typeface="+mn-cs"/>
+              </a:defRPr>
+            </a:lvl2pPr>
+            <a:lvl3pPr marL="914400" algn="l" defTabSz="914400" rtl="0" eaLnBrk="1" latinLnBrk="0" hangingPunct="1">
+              <a:defRPr sz="1800" kern="1200">
+                <a:solidFill>
+                  <a:schemeClr val="tx1"/>
+                </a:solidFill>
+                <a:latin typeface="+mn-lt"/>
+                <a:ea typeface="+mn-ea"/>
+                <a:cs typeface="+mn-cs"/>
+              </a:defRPr>
+            </a:lvl3pPr>
+            <a:lvl4pPr marL="1371600" algn="l" defTabSz="914400" rtl="0" eaLnBrk="1" latinLnBrk="0" hangingPunct="1">
+              <a:defRPr sz="1800" kern="1200">
+                <a:solidFill>
+                  <a:schemeClr val="tx1"/>
+                </a:solidFill>
+                <a:latin typeface="+mn-lt"/>
+                <a:ea typeface="+mn-ea"/>
+                <a:cs typeface="+mn-cs"/>
+              </a:defRPr>
+            </a:lvl4pPr>
+            <a:lvl5pPr marL="1828800" algn="l" defTabSz="914400" rtl="0" eaLnBrk="1" latinLnBrk="0" hangingPunct="1">
+              <a:defRPr sz="1800" kern="1200">
+                <a:solidFill>
+                  <a:schemeClr val="tx1"/>
+                </a:solidFill>
+                <a:latin typeface="+mn-lt"/>
+                <a:ea typeface="+mn-ea"/>
+                <a:cs typeface="+mn-cs"/>
+              </a:defRPr>
+            </a:lvl5pPr>
+            <a:lvl6pPr marL="2286000" algn="l" defTabSz="914400" rtl="0" eaLnBrk="1" latinLnBrk="0" hangingPunct="1">
+              <a:defRPr sz="1800" kern="1200">
+                <a:solidFill>
+                  <a:schemeClr val="tx1"/>
+                </a:solidFill>
+                <a:latin typeface="+mn-lt"/>
+                <a:ea typeface="+mn-ea"/>
+                <a:cs typeface="+mn-cs"/>
+              </a:defRPr>
+            </a:lvl6pPr>
+            <a:lvl7pPr marL="2743200" algn="l" defTabSz="914400" rtl="0" eaLnBrk="1" latinLnBrk="0" hangingPunct="1">
+              <a:defRPr sz="1800" kern="1200">
+                <a:solidFill>
+                  <a:schemeClr val="tx1"/>
+                </a:solidFill>
+                <a:latin typeface="+mn-lt"/>
+                <a:ea typeface="+mn-ea"/>
+                <a:cs typeface="+mn-cs"/>
+              </a:defRPr>
+            </a:lvl7pPr>
+            <a:lvl8pPr marL="3200400" algn="l" defTabSz="914400" rtl="0" eaLnBrk="1" latinLnBrk="0" hangingPunct="1">
+              <a:defRPr sz="1800" kern="1200">
+                <a:solidFill>
+                  <a:schemeClr val="tx1"/>
+                </a:solidFill>
+                <a:latin typeface="+mn-lt"/>
+                <a:ea typeface="+mn-ea"/>
+                <a:cs typeface="+mn-cs"/>
+              </a:defRPr>
+            </a:lvl8pPr>
+            <a:lvl9pPr marL="3657600" algn="l" defTabSz="914400" rtl="0" eaLnBrk="1" latinLnBrk="0" hangingPunct="1">
+              <a:defRPr sz="1800" kern="1200">
+                <a:solidFill>
+                  <a:schemeClr val="tx1"/>
+                </a:solidFill>
+                <a:latin typeface="+mn-lt"/>
+                <a:ea typeface="+mn-ea"/>
+                <a:cs typeface="+mn-cs"/>
+              </a:defRPr>
+            </a:lvl9pPr>
+          </a:lstStyle>
+          <a:p>
+            <a:fld id="{A645CD40-335F-473C-AFD9-1A70D1B04167}" type="datetime1">
+              <a:rPr lang="zh-CN" altLang="en-US" smtClean="0"/>
+              <a:pPr/>
+              <a:t>2020/3/7</a:t>
+            </a:fld>
+            <a:endParaRPr lang="zh-CN" altLang="en-US" dirty="0"/>
+          </a:p>
+        </p:txBody>
+      </p:sp>
+      <p:pic>
+        <p:nvPicPr>
+          <p:cNvPr id="1026" name="Picture 2" descr="-w973">
+            <a:extLst>
+              <a:ext uri="{FF2B5EF4-FFF2-40B4-BE49-F238E27FC236}">
+                <a16:creationId xmlns:a16="http://schemas.microsoft.com/office/drawing/2014/main" id="{FBC69375-2D3C-421C-AB7A-4ACBAB688D84}"/>
+              </a:ext>
+            </a:extLst>
+          </p:cNvPr>
+          <p:cNvPicPr>
+            <a:picLocks noChangeAspect="1" noChangeArrowheads="1"/>
+          </p:cNvPicPr>
+          <p:nvPr/>
+        </p:nvPicPr>
+        <p:blipFill rotWithShape="1">
+          <a:blip r:embed="rId3">
+            <a:extLst>
+              <a:ext uri="{28A0092B-C50C-407E-A947-70E740481C1C}">
+                <a14:useLocalDpi xmlns:a14="http://schemas.microsoft.com/office/drawing/2010/main" val="0"/>
+              </a:ext>
+            </a:extLst>
+          </a:blip>
+          <a:srcRect r="29913" b="46948"/>
+          <a:stretch/>
+        </p:blipFill>
+        <p:spPr bwMode="auto">
+          <a:xfrm>
+            <a:off x="251520" y="2924943"/>
+            <a:ext cx="8591808" cy="2509966"/>
+          </a:xfrm>
+          <a:prstGeom prst="rect">
+            <a:avLst/>
+          </a:prstGeom>
+          <a:noFill/>
+          <a:extLst>
+            <a:ext uri="{909E8E84-426E-40DD-AFC4-6F175D3DCCD1}">
+              <a14:hiddenFill xmlns:a14="http://schemas.microsoft.com/office/drawing/2010/main">
+                <a:solidFill>
+                  <a:srgbClr val="FFFFFF"/>
+                </a:solidFill>
+              </a14:hiddenFill>
+            </a:ext>
+          </a:extLst>
+        </p:spPr>
+      </p:pic>
+    </p:spTree>
+    <p:extLst>
+      <p:ext uri="{BB962C8B-B14F-4D97-AF65-F5344CB8AC3E}">
+        <p14:creationId xmlns:p14="http://schemas.microsoft.com/office/powerpoint/2010/main" val="1364380308"/>
       </p:ext>
     </p:extLst>
   </p:cSld>

--- a/presentation.pptx
+++ b/presentation.pptx
@@ -5,7 +5,7 @@
     <p:sldMasterId id="2147483723" r:id="rId1"/>
   </p:sldMasterIdLst>
   <p:notesMasterIdLst>
-    <p:notesMasterId r:id="rId17"/>
+    <p:notesMasterId r:id="rId15"/>
   </p:notesMasterIdLst>
   <p:sldIdLst>
     <p:sldId id="444" r:id="rId2"/>
@@ -19,10 +19,8 @@
     <p:sldId id="449" r:id="rId10"/>
     <p:sldId id="450" r:id="rId11"/>
     <p:sldId id="451" r:id="rId12"/>
-    <p:sldId id="455" r:id="rId13"/>
-    <p:sldId id="454" r:id="rId14"/>
-    <p:sldId id="445" r:id="rId15"/>
-    <p:sldId id="427" r:id="rId16"/>
+    <p:sldId id="445" r:id="rId13"/>
+    <p:sldId id="427" r:id="rId14"/>
   </p:sldIdLst>
   <p:sldSz cx="9144000" cy="6858000" type="screen4x3"/>
   <p:notesSz cx="6858000" cy="9144000"/>
@@ -223,7 +221,7 @@
             <a:fld id="{6AEF9144-1A84-49D7-A917-0672F319F0E3}" type="datetimeFigureOut">
               <a:rPr lang="zh-CN" altLang="en-US" smtClean="0"/>
               <a:pPr/>
-              <a:t>2020/3/7</a:t>
+              <a:t>20/3/7</a:t>
             </a:fld>
             <a:endParaRPr lang="zh-CN" altLang="en-US"/>
           </a:p>
@@ -844,190 +842,6 @@
     </p:spTree>
     <p:extLst>
       <p:ext uri="{BB962C8B-B14F-4D97-AF65-F5344CB8AC3E}">
-        <p14:creationId xmlns:p14="http://schemas.microsoft.com/office/powerpoint/2010/main" val="242993368"/>
-      </p:ext>
-    </p:extLst>
-  </p:cSld>
-  <p:clrMapOvr>
-    <a:masterClrMapping/>
-  </p:clrMapOvr>
-</p:notes>
-</file>
-
-<file path=ppt/notesSlides/notesSlide13.xml><?xml version="1.0" encoding="utf-8"?>
-<p:notes xmlns:a="http://schemas.openxmlformats.org/drawingml/2006/main" xmlns:r="http://schemas.openxmlformats.org/officeDocument/2006/relationships" xmlns:p="http://schemas.openxmlformats.org/presentationml/2006/main">
-  <p:cSld>
-    <p:spTree>
-      <p:nvGrpSpPr>
-        <p:cNvPr id="1" name=""/>
-        <p:cNvGrpSpPr/>
-        <p:nvPr/>
-      </p:nvGrpSpPr>
-      <p:grpSpPr>
-        <a:xfrm>
-          <a:off x="0" y="0"/>
-          <a:ext cx="0" cy="0"/>
-          <a:chOff x="0" y="0"/>
-          <a:chExt cx="0" cy="0"/>
-        </a:xfrm>
-      </p:grpSpPr>
-      <p:sp>
-        <p:nvSpPr>
-          <p:cNvPr id="2" name="幻灯片图像占位符 1"/>
-          <p:cNvSpPr>
-            <a:spLocks noGrp="1" noRot="1" noChangeAspect="1"/>
-          </p:cNvSpPr>
-          <p:nvPr>
-            <p:ph type="sldImg"/>
-          </p:nvPr>
-        </p:nvSpPr>
-        <p:spPr/>
-      </p:sp>
-      <p:sp>
-        <p:nvSpPr>
-          <p:cNvPr id="3" name="备注占位符 2"/>
-          <p:cNvSpPr>
-            <a:spLocks noGrp="1"/>
-          </p:cNvSpPr>
-          <p:nvPr>
-            <p:ph type="body" idx="1"/>
-          </p:nvPr>
-        </p:nvSpPr>
-        <p:spPr/>
-        <p:txBody>
-          <a:bodyPr/>
-          <a:lstStyle/>
-          <a:p>
-            <a:endParaRPr lang="zh-CN" altLang="en-US" sz="1200" b="0" i="0" u="none" strike="noStrike" kern="1200" baseline="0" dirty="0">
-              <a:solidFill>
-                <a:schemeClr val="tx1"/>
-              </a:solidFill>
-              <a:latin typeface="+mn-lt"/>
-              <a:ea typeface="+mn-ea"/>
-              <a:cs typeface="+mn-cs"/>
-            </a:endParaRPr>
-          </a:p>
-        </p:txBody>
-      </p:sp>
-      <p:sp>
-        <p:nvSpPr>
-          <p:cNvPr id="4" name="灯片编号占位符 3"/>
-          <p:cNvSpPr>
-            <a:spLocks noGrp="1"/>
-          </p:cNvSpPr>
-          <p:nvPr>
-            <p:ph type="sldNum" sz="quarter" idx="10"/>
-          </p:nvPr>
-        </p:nvSpPr>
-        <p:spPr/>
-        <p:txBody>
-          <a:bodyPr/>
-          <a:lstStyle/>
-          <a:p>
-            <a:fld id="{B85ADB43-7348-48AD-B03C-D160B7A825E1}" type="slidenum">
-              <a:rPr lang="zh-CN" altLang="en-US" smtClean="0"/>
-              <a:pPr/>
-              <a:t>13</a:t>
-            </a:fld>
-            <a:endParaRPr lang="zh-CN" altLang="en-US"/>
-          </a:p>
-        </p:txBody>
-      </p:sp>
-    </p:spTree>
-    <p:extLst>
-      <p:ext uri="{BB962C8B-B14F-4D97-AF65-F5344CB8AC3E}">
-        <p14:creationId xmlns:p14="http://schemas.microsoft.com/office/powerpoint/2010/main" val="733812471"/>
-      </p:ext>
-    </p:extLst>
-  </p:cSld>
-  <p:clrMapOvr>
-    <a:masterClrMapping/>
-  </p:clrMapOvr>
-</p:notes>
-</file>
-
-<file path=ppt/notesSlides/notesSlide14.xml><?xml version="1.0" encoding="utf-8"?>
-<p:notes xmlns:a="http://schemas.openxmlformats.org/drawingml/2006/main" xmlns:r="http://schemas.openxmlformats.org/officeDocument/2006/relationships" xmlns:p="http://schemas.openxmlformats.org/presentationml/2006/main">
-  <p:cSld>
-    <p:spTree>
-      <p:nvGrpSpPr>
-        <p:cNvPr id="1" name=""/>
-        <p:cNvGrpSpPr/>
-        <p:nvPr/>
-      </p:nvGrpSpPr>
-      <p:grpSpPr>
-        <a:xfrm>
-          <a:off x="0" y="0"/>
-          <a:ext cx="0" cy="0"/>
-          <a:chOff x="0" y="0"/>
-          <a:chExt cx="0" cy="0"/>
-        </a:xfrm>
-      </p:grpSpPr>
-      <p:sp>
-        <p:nvSpPr>
-          <p:cNvPr id="2" name="幻灯片图像占位符 1"/>
-          <p:cNvSpPr>
-            <a:spLocks noGrp="1" noRot="1" noChangeAspect="1"/>
-          </p:cNvSpPr>
-          <p:nvPr>
-            <p:ph type="sldImg"/>
-          </p:nvPr>
-        </p:nvSpPr>
-        <p:spPr/>
-      </p:sp>
-      <p:sp>
-        <p:nvSpPr>
-          <p:cNvPr id="3" name="备注占位符 2"/>
-          <p:cNvSpPr>
-            <a:spLocks noGrp="1"/>
-          </p:cNvSpPr>
-          <p:nvPr>
-            <p:ph type="body" idx="1"/>
-          </p:nvPr>
-        </p:nvSpPr>
-        <p:spPr/>
-        <p:txBody>
-          <a:bodyPr/>
-          <a:lstStyle/>
-          <a:p>
-            <a:endParaRPr lang="zh-CN" altLang="en-US" sz="1200" b="0" i="0" u="none" strike="noStrike" kern="1200" baseline="0" dirty="0">
-              <a:solidFill>
-                <a:schemeClr val="tx1"/>
-              </a:solidFill>
-              <a:latin typeface="+mn-lt"/>
-              <a:ea typeface="+mn-ea"/>
-              <a:cs typeface="+mn-cs"/>
-            </a:endParaRPr>
-          </a:p>
-        </p:txBody>
-      </p:sp>
-      <p:sp>
-        <p:nvSpPr>
-          <p:cNvPr id="4" name="灯片编号占位符 3"/>
-          <p:cNvSpPr>
-            <a:spLocks noGrp="1"/>
-          </p:cNvSpPr>
-          <p:nvPr>
-            <p:ph type="sldNum" sz="quarter" idx="10"/>
-          </p:nvPr>
-        </p:nvSpPr>
-        <p:spPr/>
-        <p:txBody>
-          <a:bodyPr/>
-          <a:lstStyle/>
-          <a:p>
-            <a:fld id="{B85ADB43-7348-48AD-B03C-D160B7A825E1}" type="slidenum">
-              <a:rPr lang="zh-CN" altLang="en-US" smtClean="0"/>
-              <a:pPr/>
-              <a:t>14</a:t>
-            </a:fld>
-            <a:endParaRPr lang="zh-CN" altLang="en-US"/>
-          </a:p>
-        </p:txBody>
-      </p:sp>
-    </p:spTree>
-    <p:extLst>
-      <p:ext uri="{BB962C8B-B14F-4D97-AF65-F5344CB8AC3E}">
         <p14:creationId xmlns:p14="http://schemas.microsoft.com/office/powerpoint/2010/main" val="2585622711"/>
       </p:ext>
     </p:extLst>
@@ -2231,7 +2045,7 @@
             <a:fld id="{B82A34D6-9213-4FC6-A6D6-AFCBEA83F44C}" type="datetimeFigureOut">
               <a:rPr lang="zh-CN" altLang="en-US" smtClean="0"/>
               <a:pPr/>
-              <a:t>2020/3/7</a:t>
+              <a:t>20/3/7</a:t>
             </a:fld>
             <a:endParaRPr lang="zh-CN" altLang="en-US"/>
           </a:p>
@@ -4364,7 +4178,7 @@
             <a:fld id="{B82A34D6-9213-4FC6-A6D6-AFCBEA83F44C}" type="datetimeFigureOut">
               <a:rPr lang="zh-CN" altLang="en-US" smtClean="0"/>
               <a:pPr/>
-              <a:t>2020/3/7</a:t>
+              <a:t>20/3/7</a:t>
             </a:fld>
             <a:endParaRPr lang="zh-CN" altLang="en-US"/>
           </a:p>
@@ -5104,7 +4918,7 @@
             <a:fld id="{A645CD40-335F-473C-AFD9-1A70D1B04167}" type="datetime1">
               <a:rPr lang="zh-CN" altLang="en-US" smtClean="0"/>
               <a:pPr/>
-              <a:t>2020/3/7</a:t>
+              <a:t>20/3/7</a:t>
             </a:fld>
             <a:endParaRPr lang="zh-CN" altLang="en-US" dirty="0"/>
           </a:p>
@@ -5328,7 +5142,7 @@
             <a:fld id="{A645CD40-335F-473C-AFD9-1A70D1B04167}" type="datetime1">
               <a:rPr lang="zh-CN" altLang="en-US" smtClean="0"/>
               <a:pPr/>
-              <a:t>2020/3/7</a:t>
+              <a:t>20/3/7</a:t>
             </a:fld>
             <a:endParaRPr lang="zh-CN" altLang="en-US" dirty="0"/>
           </a:p>
@@ -5339,7 +5153,7 @@
           <p:cNvPr id="2050" name="Picture 2">
             <a:extLst>
               <a:ext uri="{FF2B5EF4-FFF2-40B4-BE49-F238E27FC236}">
-                <a16:creationId xmlns:a16="http://schemas.microsoft.com/office/drawing/2014/main" id="{319E11C8-66E6-4328-9C7B-917DA6B40F3E}"/>
+                <a16:creationId xmlns:a16="http://schemas.microsoft.com/office/drawing/2014/main" xmlns="" id="{319E11C8-66E6-4328-9C7B-917DA6B40F3E}"/>
               </a:ext>
             </a:extLst>
           </p:cNvPr>
@@ -5513,7 +5327,7 @@
             <a:fld id="{A645CD40-335F-473C-AFD9-1A70D1B04167}" type="datetime1">
               <a:rPr lang="zh-CN" altLang="en-US" smtClean="0"/>
               <a:pPr/>
-              <a:t>2020/3/7</a:t>
+              <a:t>20/3/7</a:t>
             </a:fld>
             <a:endParaRPr lang="zh-CN" altLang="en-US" dirty="0"/>
           </a:p>
@@ -5737,7 +5551,7 @@
             <a:fld id="{A645CD40-335F-473C-AFD9-1A70D1B04167}" type="datetime1">
               <a:rPr lang="zh-CN" altLang="en-US" smtClean="0"/>
               <a:pPr/>
-              <a:t>2020/3/7</a:t>
+              <a:t>20/3/7</a:t>
             </a:fld>
             <a:endParaRPr lang="zh-CN" altLang="en-US" dirty="0"/>
           </a:p>
@@ -5748,7 +5562,7 @@
           <p:cNvPr id="2" name="图片 1">
             <a:extLst>
               <a:ext uri="{FF2B5EF4-FFF2-40B4-BE49-F238E27FC236}">
-                <a16:creationId xmlns:a16="http://schemas.microsoft.com/office/drawing/2014/main" id="{4F3A0066-5155-447E-AF95-470CA234FE9A}"/>
+                <a16:creationId xmlns:a16="http://schemas.microsoft.com/office/drawing/2014/main" xmlns="" id="{4F3A0066-5155-447E-AF95-470CA234FE9A}"/>
               </a:ext>
             </a:extLst>
           </p:cNvPr>
@@ -5807,344 +5621,6 @@
       </p:grpSpPr>
       <p:sp>
         <p:nvSpPr>
-          <p:cNvPr id="9" name="标题 1"/>
-          <p:cNvSpPr>
-            <a:spLocks noGrp="1"/>
-          </p:cNvSpPr>
-          <p:nvPr>
-            <p:ph type="title"/>
-          </p:nvPr>
-        </p:nvSpPr>
-        <p:spPr>
-          <a:xfrm>
-            <a:off x="574675" y="304800"/>
-            <a:ext cx="8001000" cy="820738"/>
-          </a:xfrm>
-        </p:spPr>
-        <p:txBody>
-          <a:bodyPr/>
-          <a:lstStyle/>
-          <a:p>
-            <a:r>
-              <a:rPr lang="en-US" altLang="zh-CN" dirty="0"/>
-              <a:t>PR Summary</a:t>
-            </a:r>
-            <a:endParaRPr lang="zh-CN" altLang="en-US" dirty="0"/>
-          </a:p>
-        </p:txBody>
-      </p:sp>
-      <p:sp>
-        <p:nvSpPr>
-          <p:cNvPr id="4" name="日期占位符 3"/>
-          <p:cNvSpPr>
-            <a:spLocks noGrp="1"/>
-          </p:cNvSpPr>
-          <p:nvPr>
-            <p:ph type="dt" sz="half" idx="11"/>
-          </p:nvPr>
-        </p:nvSpPr>
-        <p:spPr>
-          <a:xfrm>
-            <a:off x="0" y="6356350"/>
-            <a:ext cx="2133600" cy="365125"/>
-          </a:xfrm>
-          <a:prstGeom prst="rect">
-            <a:avLst/>
-          </a:prstGeom>
-        </p:spPr>
-        <p:txBody>
-          <a:bodyPr/>
-          <a:lstStyle/>
-          <a:p>
-            <a:fld id="{A645CD40-335F-473C-AFD9-1A70D1B04167}" type="datetime1">
-              <a:rPr lang="zh-CN" altLang="en-US" smtClean="0"/>
-              <a:pPr/>
-              <a:t>2020/3/7</a:t>
-            </a:fld>
-            <a:endParaRPr lang="zh-CN" altLang="en-US" dirty="0"/>
-          </a:p>
-        </p:txBody>
-      </p:sp>
-      <p:pic>
-        <p:nvPicPr>
-          <p:cNvPr id="6" name="内容占位符 5">
-            <a:extLst>
-              <a:ext uri="{FF2B5EF4-FFF2-40B4-BE49-F238E27FC236}">
-                <a16:creationId xmlns:a16="http://schemas.microsoft.com/office/drawing/2014/main" id="{9D4D8AAF-2149-49F4-A3F0-D6813F5980F2}"/>
-              </a:ext>
-            </a:extLst>
-          </p:cNvPr>
-          <p:cNvPicPr>
-            <a:picLocks noGrp="1" noChangeAspect="1"/>
-          </p:cNvPicPr>
-          <p:nvPr>
-            <p:ph idx="1"/>
-          </p:nvPr>
-        </p:nvPicPr>
-        <p:blipFill rotWithShape="1">
-          <a:blip r:embed="rId3"/>
-          <a:srcRect b="60686"/>
-          <a:stretch/>
-        </p:blipFill>
-        <p:spPr>
-          <a:xfrm>
-            <a:off x="2164862" y="1375741"/>
-            <a:ext cx="4789846" cy="5343103"/>
-          </a:xfrm>
-          <a:prstGeom prst="rect">
-            <a:avLst/>
-          </a:prstGeom>
-        </p:spPr>
-      </p:pic>
-      <p:sp>
-        <p:nvSpPr>
-          <p:cNvPr id="5" name="AutoShape 2" descr="screencapture-github-chouchouyu-django-postgres-stack-commits-wsm-2020-03-04-21_59_12">
-            <a:extLst>
-              <a:ext uri="{FF2B5EF4-FFF2-40B4-BE49-F238E27FC236}">
-                <a16:creationId xmlns:a16="http://schemas.microsoft.com/office/drawing/2014/main" id="{373D6A45-6A71-4DED-B0E5-FC6C256412E2}"/>
-              </a:ext>
-            </a:extLst>
-          </p:cNvPr>
-          <p:cNvSpPr>
-            <a:spLocks noChangeAspect="1" noChangeArrowheads="1"/>
-          </p:cNvSpPr>
-          <p:nvPr/>
-        </p:nvSpPr>
-        <p:spPr bwMode="auto">
-          <a:xfrm>
-            <a:off x="4419600" y="3276600"/>
-            <a:ext cx="304800" cy="304800"/>
-          </a:xfrm>
-          <a:prstGeom prst="rect">
-            <a:avLst/>
-          </a:prstGeom>
-          <a:noFill/>
-          <a:extLst>
-            <a:ext uri="{909E8E84-426E-40DD-AFC4-6F175D3DCCD1}">
-              <a14:hiddenFill xmlns:a14="http://schemas.microsoft.com/office/drawing/2010/main">
-                <a:solidFill>
-                  <a:srgbClr val="FFFFFF"/>
-                </a:solidFill>
-              </a14:hiddenFill>
-            </a:ext>
-          </a:extLst>
-        </p:spPr>
-        <p:txBody>
-          <a:bodyPr vert="horz" wrap="square" lIns="91440" tIns="45720" rIns="91440" bIns="45720" numCol="1" anchor="t" anchorCtr="0" compatLnSpc="1">
-            <a:prstTxWarp prst="textNoShape">
-              <a:avLst/>
-            </a:prstTxWarp>
-          </a:bodyPr>
-          <a:lstStyle/>
-          <a:p>
-            <a:endParaRPr lang="en-GB"/>
-          </a:p>
-        </p:txBody>
-      </p:sp>
-    </p:spTree>
-    <p:extLst>
-      <p:ext uri="{BB962C8B-B14F-4D97-AF65-F5344CB8AC3E}">
-        <p14:creationId xmlns:p14="http://schemas.microsoft.com/office/powerpoint/2010/main" val="1076954391"/>
-      </p:ext>
-    </p:extLst>
-  </p:cSld>
-  <p:clrMapOvr>
-    <a:masterClrMapping/>
-  </p:clrMapOvr>
-  <p:transition>
-    <p:pull dir="ru"/>
-  </p:transition>
-</p:sld>
-</file>
-
-<file path=ppt/slides/slide13.xml><?xml version="1.0" encoding="utf-8"?>
-<p:sld xmlns:a="http://schemas.openxmlformats.org/drawingml/2006/main" xmlns:r="http://schemas.openxmlformats.org/officeDocument/2006/relationships" xmlns:p="http://schemas.openxmlformats.org/presentationml/2006/main">
-  <p:cSld>
-    <p:spTree>
-      <p:nvGrpSpPr>
-        <p:cNvPr id="1" name=""/>
-        <p:cNvGrpSpPr/>
-        <p:nvPr/>
-      </p:nvGrpSpPr>
-      <p:grpSpPr>
-        <a:xfrm>
-          <a:off x="0" y="0"/>
-          <a:ext cx="0" cy="0"/>
-          <a:chOff x="0" y="0"/>
-          <a:chExt cx="0" cy="0"/>
-        </a:xfrm>
-      </p:grpSpPr>
-      <p:sp>
-        <p:nvSpPr>
-          <p:cNvPr id="9" name="标题 1"/>
-          <p:cNvSpPr>
-            <a:spLocks noGrp="1"/>
-          </p:cNvSpPr>
-          <p:nvPr>
-            <p:ph type="title"/>
-          </p:nvPr>
-        </p:nvSpPr>
-        <p:spPr>
-          <a:xfrm>
-            <a:off x="574675" y="304800"/>
-            <a:ext cx="8001000" cy="820738"/>
-          </a:xfrm>
-        </p:spPr>
-        <p:txBody>
-          <a:bodyPr/>
-          <a:lstStyle/>
-          <a:p>
-            <a:r>
-              <a:rPr lang="en-US" altLang="zh-CN" dirty="0"/>
-              <a:t>PR Summary</a:t>
-            </a:r>
-            <a:endParaRPr lang="zh-CN" altLang="en-US" dirty="0"/>
-          </a:p>
-        </p:txBody>
-      </p:sp>
-      <p:sp>
-        <p:nvSpPr>
-          <p:cNvPr id="4" name="日期占位符 3"/>
-          <p:cNvSpPr>
-            <a:spLocks noGrp="1"/>
-          </p:cNvSpPr>
-          <p:nvPr>
-            <p:ph type="dt" sz="half" idx="11"/>
-          </p:nvPr>
-        </p:nvSpPr>
-        <p:spPr>
-          <a:xfrm>
-            <a:off x="0" y="6356350"/>
-            <a:ext cx="2133600" cy="365125"/>
-          </a:xfrm>
-          <a:prstGeom prst="rect">
-            <a:avLst/>
-          </a:prstGeom>
-        </p:spPr>
-        <p:txBody>
-          <a:bodyPr/>
-          <a:lstStyle/>
-          <a:p>
-            <a:fld id="{A645CD40-335F-473C-AFD9-1A70D1B04167}" type="datetime1">
-              <a:rPr lang="zh-CN" altLang="en-US" smtClean="0"/>
-              <a:pPr/>
-              <a:t>2020/3/7</a:t>
-            </a:fld>
-            <a:endParaRPr lang="zh-CN" altLang="en-US" dirty="0"/>
-          </a:p>
-        </p:txBody>
-      </p:sp>
-      <p:pic>
-        <p:nvPicPr>
-          <p:cNvPr id="6" name="内容占位符 5">
-            <a:extLst>
-              <a:ext uri="{FF2B5EF4-FFF2-40B4-BE49-F238E27FC236}">
-                <a16:creationId xmlns:a16="http://schemas.microsoft.com/office/drawing/2014/main" id="{9D4D8AAF-2149-49F4-A3F0-D6813F5980F2}"/>
-              </a:ext>
-            </a:extLst>
-          </p:cNvPr>
-          <p:cNvPicPr>
-            <a:picLocks noGrp="1" noChangeAspect="1"/>
-          </p:cNvPicPr>
-          <p:nvPr>
-            <p:ph idx="1"/>
-          </p:nvPr>
-        </p:nvPicPr>
-        <p:blipFill rotWithShape="1">
-          <a:blip r:embed="rId3"/>
-          <a:srcRect t="39911" b="6945"/>
-          <a:stretch/>
-        </p:blipFill>
-        <p:spPr>
-          <a:xfrm>
-            <a:off x="4067943" y="20355"/>
-            <a:ext cx="4501381" cy="6787793"/>
-          </a:xfrm>
-          <a:prstGeom prst="rect">
-            <a:avLst/>
-          </a:prstGeom>
-        </p:spPr>
-      </p:pic>
-      <p:sp>
-        <p:nvSpPr>
-          <p:cNvPr id="5" name="AutoShape 2" descr="screencapture-github-chouchouyu-django-postgres-stack-commits-wsm-2020-03-04-21_59_12">
-            <a:extLst>
-              <a:ext uri="{FF2B5EF4-FFF2-40B4-BE49-F238E27FC236}">
-                <a16:creationId xmlns:a16="http://schemas.microsoft.com/office/drawing/2014/main" id="{373D6A45-6A71-4DED-B0E5-FC6C256412E2}"/>
-              </a:ext>
-            </a:extLst>
-          </p:cNvPr>
-          <p:cNvSpPr>
-            <a:spLocks noChangeAspect="1" noChangeArrowheads="1"/>
-          </p:cNvSpPr>
-          <p:nvPr/>
-        </p:nvSpPr>
-        <p:spPr bwMode="auto">
-          <a:xfrm>
-            <a:off x="4419600" y="3276600"/>
-            <a:ext cx="304800" cy="304800"/>
-          </a:xfrm>
-          <a:prstGeom prst="rect">
-            <a:avLst/>
-          </a:prstGeom>
-          <a:noFill/>
-          <a:extLst>
-            <a:ext uri="{909E8E84-426E-40DD-AFC4-6F175D3DCCD1}">
-              <a14:hiddenFill xmlns:a14="http://schemas.microsoft.com/office/drawing/2010/main">
-                <a:solidFill>
-                  <a:srgbClr val="FFFFFF"/>
-                </a:solidFill>
-              </a14:hiddenFill>
-            </a:ext>
-          </a:extLst>
-        </p:spPr>
-        <p:txBody>
-          <a:bodyPr vert="horz" wrap="square" lIns="91440" tIns="45720" rIns="91440" bIns="45720" numCol="1" anchor="t" anchorCtr="0" compatLnSpc="1">
-            <a:prstTxWarp prst="textNoShape">
-              <a:avLst/>
-            </a:prstTxWarp>
-          </a:bodyPr>
-          <a:lstStyle/>
-          <a:p>
-            <a:endParaRPr lang="en-GB"/>
-          </a:p>
-        </p:txBody>
-      </p:sp>
-    </p:spTree>
-    <p:extLst>
-      <p:ext uri="{BB962C8B-B14F-4D97-AF65-F5344CB8AC3E}">
-        <p14:creationId xmlns:p14="http://schemas.microsoft.com/office/powerpoint/2010/main" val="23520105"/>
-      </p:ext>
-    </p:extLst>
-  </p:cSld>
-  <p:clrMapOvr>
-    <a:masterClrMapping/>
-  </p:clrMapOvr>
-  <p:transition>
-    <p:pull dir="ru"/>
-  </p:transition>
-</p:sld>
-</file>
-
-<file path=ppt/slides/slide14.xml><?xml version="1.0" encoding="utf-8"?>
-<p:sld xmlns:a="http://schemas.openxmlformats.org/drawingml/2006/main" xmlns:r="http://schemas.openxmlformats.org/officeDocument/2006/relationships" xmlns:p="http://schemas.openxmlformats.org/presentationml/2006/main">
-  <p:cSld>
-    <p:spTree>
-      <p:nvGrpSpPr>
-        <p:cNvPr id="1" name=""/>
-        <p:cNvGrpSpPr/>
-        <p:nvPr/>
-      </p:nvGrpSpPr>
-      <p:grpSpPr>
-        <a:xfrm>
-          <a:off x="0" y="0"/>
-          <a:ext cx="0" cy="0"/>
-          <a:chOff x="0" y="0"/>
-          <a:chExt cx="0" cy="0"/>
-        </a:xfrm>
-      </p:grpSpPr>
-      <p:sp>
-        <p:nvSpPr>
           <p:cNvPr id="12" name="内容占位符 11"/>
           <p:cNvSpPr>
             <a:spLocks noGrp="1"/>
@@ -6234,7 +5710,7 @@
             <a:fld id="{A645CD40-335F-473C-AFD9-1A70D1B04167}" type="datetime1">
               <a:rPr lang="zh-CN" altLang="en-US" smtClean="0"/>
               <a:pPr/>
-              <a:t>2020/3/7</a:t>
+              <a:t>20/3/7</a:t>
             </a:fld>
             <a:endParaRPr lang="zh-CN" altLang="en-US" dirty="0"/>
           </a:p>
@@ -6256,7 +5732,7 @@
 </p:sld>
 </file>
 
-<file path=ppt/slides/slide15.xml><?xml version="1.0" encoding="utf-8"?>
+<file path=ppt/slides/slide13.xml><?xml version="1.0" encoding="utf-8"?>
 <p:sld xmlns:a="http://schemas.openxmlformats.org/drawingml/2006/main" xmlns:r="http://schemas.openxmlformats.org/officeDocument/2006/relationships" xmlns:p="http://schemas.openxmlformats.org/presentationml/2006/main">
   <p:cSld>
     <p:spTree>
@@ -6619,7 +6095,7 @@
             <a:fld id="{A645CD40-335F-473C-AFD9-1A70D1B04167}" type="datetime1">
               <a:rPr lang="zh-CN" altLang="en-US" smtClean="0"/>
               <a:pPr/>
-              <a:t>2020/3/7</a:t>
+              <a:t>20/3/7</a:t>
             </a:fld>
             <a:endParaRPr lang="zh-CN" altLang="en-US" dirty="0"/>
           </a:p>
@@ -6778,7 +6254,7 @@
           <p:cNvPr id="6146" name="Picture 2" descr="图片 1">
             <a:extLst>
               <a:ext uri="{FF2B5EF4-FFF2-40B4-BE49-F238E27FC236}">
-                <a16:creationId xmlns:a16="http://schemas.microsoft.com/office/drawing/2014/main" id="{AB05FD90-533C-4F94-BD1C-71549BDD548D}"/>
+                <a16:creationId xmlns:a16="http://schemas.microsoft.com/office/drawing/2014/main" xmlns="" id="{AB05FD90-533C-4F94-BD1C-71549BDD548D}"/>
               </a:ext>
             </a:extLst>
           </p:cNvPr>
@@ -6955,7 +6431,7 @@
             <a:fld id="{A645CD40-335F-473C-AFD9-1A70D1B04167}" type="datetime1">
               <a:rPr lang="zh-CN" altLang="en-US" smtClean="0"/>
               <a:pPr/>
-              <a:t>2020/3/7</a:t>
+              <a:t>20/3/7</a:t>
             </a:fld>
             <a:endParaRPr lang="zh-CN" altLang="en-US" dirty="0"/>
           </a:p>
@@ -7126,7 +6602,7 @@
             <a:fld id="{A645CD40-335F-473C-AFD9-1A70D1B04167}" type="datetime1">
               <a:rPr lang="zh-CN" altLang="en-US" smtClean="0"/>
               <a:pPr/>
-              <a:t>2020/3/7</a:t>
+              <a:t>20/3/7</a:t>
             </a:fld>
             <a:endParaRPr lang="zh-CN" altLang="en-US" dirty="0"/>
           </a:p>
@@ -7335,7 +6811,7 @@
             <a:fld id="{A645CD40-335F-473C-AFD9-1A70D1B04167}" type="datetime1">
               <a:rPr lang="zh-CN" altLang="en-US" smtClean="0"/>
               <a:pPr/>
-              <a:t>2020/3/7</a:t>
+              <a:t>20/3/7</a:t>
             </a:fld>
             <a:endParaRPr lang="zh-CN" altLang="en-US" dirty="0"/>
           </a:p>
@@ -7500,7 +6976,7 @@
             <a:fld id="{A645CD40-335F-473C-AFD9-1A70D1B04167}" type="datetime1">
               <a:rPr lang="zh-CN" altLang="en-US" smtClean="0"/>
               <a:pPr/>
-              <a:t>2020/3/7</a:t>
+              <a:t>20/3/7</a:t>
             </a:fld>
             <a:endParaRPr lang="zh-CN" altLang="en-US" dirty="0"/>
           </a:p>
@@ -7724,7 +7200,7 @@
             <a:fld id="{A645CD40-335F-473C-AFD9-1A70D1B04167}" type="datetime1">
               <a:rPr lang="zh-CN" altLang="en-US" smtClean="0"/>
               <a:pPr/>
-              <a:t>2020/3/7</a:t>
+              <a:t>20/3/7</a:t>
             </a:fld>
             <a:endParaRPr lang="zh-CN" altLang="en-US" dirty="0"/>
           </a:p>
@@ -7894,7 +7370,7 @@
             <a:fld id="{A645CD40-335F-473C-AFD9-1A70D1B04167}" type="datetime1">
               <a:rPr lang="zh-CN" altLang="en-US" smtClean="0"/>
               <a:pPr/>
-              <a:t>2020/3/7</a:t>
+              <a:t>20/3/7</a:t>
             </a:fld>
             <a:endParaRPr lang="zh-CN" altLang="en-US" dirty="0"/>
           </a:p>
@@ -8118,7 +7594,7 @@
             <a:fld id="{A645CD40-335F-473C-AFD9-1A70D1B04167}" type="datetime1">
               <a:rPr lang="zh-CN" altLang="en-US" smtClean="0"/>
               <a:pPr/>
-              <a:t>2020/3/7</a:t>
+              <a:t>20/3/7</a:t>
             </a:fld>
             <a:endParaRPr lang="zh-CN" altLang="en-US" dirty="0"/>
           </a:p>
@@ -8129,7 +7605,7 @@
           <p:cNvPr id="3" name="图片 2">
             <a:extLst>
               <a:ext uri="{FF2B5EF4-FFF2-40B4-BE49-F238E27FC236}">
-                <a16:creationId xmlns:a16="http://schemas.microsoft.com/office/drawing/2014/main" id="{49419DE5-C9F6-4BA4-9C2F-F13D063EBF8B}"/>
+                <a16:creationId xmlns:a16="http://schemas.microsoft.com/office/drawing/2014/main" xmlns="" id="{49419DE5-C9F6-4BA4-9C2F-F13D063EBF8B}"/>
               </a:ext>
             </a:extLst>
           </p:cNvPr>
@@ -8299,7 +7775,7 @@
             <a:fld id="{A645CD40-335F-473C-AFD9-1A70D1B04167}" type="datetime1">
               <a:rPr lang="zh-CN" altLang="en-US" smtClean="0"/>
               <a:pPr/>
-              <a:t>2020/3/7</a:t>
+              <a:t>20/3/7</a:t>
             </a:fld>
             <a:endParaRPr lang="zh-CN" altLang="en-US" dirty="0"/>
           </a:p>
@@ -8523,7 +7999,7 @@
             <a:fld id="{A645CD40-335F-473C-AFD9-1A70D1B04167}" type="datetime1">
               <a:rPr lang="zh-CN" altLang="en-US" smtClean="0"/>
               <a:pPr/>
-              <a:t>2020/3/7</a:t>
+              <a:t>20/3/7</a:t>
             </a:fld>
             <a:endParaRPr lang="zh-CN" altLang="en-US" dirty="0"/>
           </a:p>
@@ -8534,7 +8010,7 @@
           <p:cNvPr id="1026" name="Picture 2" descr="-w973">
             <a:extLst>
               <a:ext uri="{FF2B5EF4-FFF2-40B4-BE49-F238E27FC236}">
-                <a16:creationId xmlns:a16="http://schemas.microsoft.com/office/drawing/2014/main" id="{FBC69375-2D3C-421C-AB7A-4ACBAB688D84}"/>
+                <a16:creationId xmlns:a16="http://schemas.microsoft.com/office/drawing/2014/main" xmlns="" id="{FBC69375-2D3C-421C-AB7A-4ACBAB688D84}"/>
               </a:ext>
             </a:extLst>
           </p:cNvPr>
